--- a/figures/publication-figures-portrait.pptx
+++ b/figures/publication-figures-portrait.pptx
@@ -292,7 +292,7 @@
           <a:p>
             <a:fld id="{AFA4330F-5133-EB4F-9107-502F6744FC72}" type="datetimeFigureOut">
               <a:rPr lang="en-US" smtClean="0"/>
-              <a:t>18/01/18</a:t>
+              <a:t>07/03/18</a:t>
             </a:fld>
             <a:endParaRPr lang="en-US"/>
           </a:p>
@@ -462,7 +462,7 @@
           <a:p>
             <a:fld id="{AFA4330F-5133-EB4F-9107-502F6744FC72}" type="datetimeFigureOut">
               <a:rPr lang="en-US" smtClean="0"/>
-              <a:t>18/01/18</a:t>
+              <a:t>07/03/18</a:t>
             </a:fld>
             <a:endParaRPr lang="en-US"/>
           </a:p>
@@ -642,7 +642,7 @@
           <a:p>
             <a:fld id="{AFA4330F-5133-EB4F-9107-502F6744FC72}" type="datetimeFigureOut">
               <a:rPr lang="en-US" smtClean="0"/>
-              <a:t>18/01/18</a:t>
+              <a:t>07/03/18</a:t>
             </a:fld>
             <a:endParaRPr lang="en-US"/>
           </a:p>
@@ -812,7 +812,7 @@
           <a:p>
             <a:fld id="{AFA4330F-5133-EB4F-9107-502F6744FC72}" type="datetimeFigureOut">
               <a:rPr lang="en-US" smtClean="0"/>
-              <a:t>18/01/18</a:t>
+              <a:t>07/03/18</a:t>
             </a:fld>
             <a:endParaRPr lang="en-US"/>
           </a:p>
@@ -1058,7 +1058,7 @@
           <a:p>
             <a:fld id="{AFA4330F-5133-EB4F-9107-502F6744FC72}" type="datetimeFigureOut">
               <a:rPr lang="en-US" smtClean="0"/>
-              <a:t>18/01/18</a:t>
+              <a:t>07/03/18</a:t>
             </a:fld>
             <a:endParaRPr lang="en-US"/>
           </a:p>
@@ -1346,7 +1346,7 @@
           <a:p>
             <a:fld id="{AFA4330F-5133-EB4F-9107-502F6744FC72}" type="datetimeFigureOut">
               <a:rPr lang="en-US" smtClean="0"/>
-              <a:t>18/01/18</a:t>
+              <a:t>07/03/18</a:t>
             </a:fld>
             <a:endParaRPr lang="en-US"/>
           </a:p>
@@ -1773,7 +1773,7 @@
           <a:p>
             <a:fld id="{AFA4330F-5133-EB4F-9107-502F6744FC72}" type="datetimeFigureOut">
               <a:rPr lang="en-US" smtClean="0"/>
-              <a:t>18/01/18</a:t>
+              <a:t>07/03/18</a:t>
             </a:fld>
             <a:endParaRPr lang="en-US"/>
           </a:p>
@@ -1891,7 +1891,7 @@
           <a:p>
             <a:fld id="{AFA4330F-5133-EB4F-9107-502F6744FC72}" type="datetimeFigureOut">
               <a:rPr lang="en-US" smtClean="0"/>
-              <a:t>18/01/18</a:t>
+              <a:t>07/03/18</a:t>
             </a:fld>
             <a:endParaRPr lang="en-US"/>
           </a:p>
@@ -1986,7 +1986,7 @@
           <a:p>
             <a:fld id="{AFA4330F-5133-EB4F-9107-502F6744FC72}" type="datetimeFigureOut">
               <a:rPr lang="en-US" smtClean="0"/>
-              <a:t>18/01/18</a:t>
+              <a:t>07/03/18</a:t>
             </a:fld>
             <a:endParaRPr lang="en-US"/>
           </a:p>
@@ -2263,7 +2263,7 @@
           <a:p>
             <a:fld id="{AFA4330F-5133-EB4F-9107-502F6744FC72}" type="datetimeFigureOut">
               <a:rPr lang="en-US" smtClean="0"/>
-              <a:t>18/01/18</a:t>
+              <a:t>07/03/18</a:t>
             </a:fld>
             <a:endParaRPr lang="en-US"/>
           </a:p>
@@ -2516,7 +2516,7 @@
           <a:p>
             <a:fld id="{AFA4330F-5133-EB4F-9107-502F6744FC72}" type="datetimeFigureOut">
               <a:rPr lang="en-US" smtClean="0"/>
-              <a:t>18/01/18</a:t>
+              <a:t>07/03/18</a:t>
             </a:fld>
             <a:endParaRPr lang="en-US"/>
           </a:p>
@@ -2729,7 +2729,7 @@
           <a:p>
             <a:fld id="{AFA4330F-5133-EB4F-9107-502F6744FC72}" type="datetimeFigureOut">
               <a:rPr lang="en-US" smtClean="0"/>
-              <a:t>18/01/18</a:t>
+              <a:t>07/03/18</a:t>
             </a:fld>
             <a:endParaRPr lang="en-US"/>
           </a:p>
@@ -3104,166 +3104,235 @@
           <a:chExt cx="0" cy="0"/>
         </a:xfrm>
       </p:grpSpPr>
-      <p:sp>
-        <p:nvSpPr>
-          <p:cNvPr id="10" name="Text Box 3"/>
-          <p:cNvSpPr txBox="1"/>
+      <p:grpSp>
+        <p:nvGrpSpPr>
+          <p:cNvPr id="2" name="Group 1"/>
+          <p:cNvGrpSpPr/>
           <p:nvPr/>
-        </p:nvSpPr>
-        <p:spPr>
+        </p:nvGrpSpPr>
+        <p:grpSpPr>
           <a:xfrm>
-            <a:off x="792798" y="7639050"/>
-            <a:ext cx="5257800" cy="2057400"/>
+            <a:off x="792798" y="209552"/>
+            <a:ext cx="5272405" cy="9486898"/>
+            <a:chOff x="792798" y="209552"/>
+            <a:chExt cx="5272405" cy="9486898"/>
           </a:xfrm>
-          <a:prstGeom prst="rect">
-            <a:avLst/>
-          </a:prstGeom>
-          <a:noFill/>
-          <a:ln>
+        </p:grpSpPr>
+        <p:sp>
+          <p:nvSpPr>
+            <p:cNvPr id="10" name="Text Box 3"/>
+            <p:cNvSpPr txBox="1"/>
+            <p:nvPr/>
+          </p:nvSpPr>
+          <p:spPr>
+            <a:xfrm>
+              <a:off x="792798" y="7639050"/>
+              <a:ext cx="5257800" cy="2057400"/>
+            </a:xfrm>
+            <a:prstGeom prst="rect">
+              <a:avLst/>
+            </a:prstGeom>
             <a:noFill/>
-          </a:ln>
-          <a:effectLst/>
-          <a:extLst>
-            <a:ext uri="{C572A759-6A51-4108-AA02-DFA0A04FC94B}">
-              <ma14:wrappingTextBoxFlag xmlns:ma14="http://schemas.microsoft.com/office/mac/drawingml/2011/main"/>
-            </a:ext>
-          </a:extLst>
-        </p:spPr>
-        <p:style>
-          <a:lnRef idx="0">
-            <a:schemeClr val="accent1"/>
-          </a:lnRef>
-          <a:fillRef idx="0">
-            <a:schemeClr val="accent1"/>
-          </a:fillRef>
-          <a:effectRef idx="0">
-            <a:schemeClr val="accent1"/>
-          </a:effectRef>
-          <a:fontRef idx="minor">
-            <a:schemeClr val="dk1"/>
-          </a:fontRef>
-        </p:style>
-        <p:txBody>
-          <a:bodyPr rot="0" spcFirstLastPara="0" vert="horz" wrap="square" lIns="91440" tIns="45720" rIns="91440" bIns="45720" numCol="1" spcCol="0" rtlCol="0" fromWordArt="0" anchor="t" anchorCtr="0" forceAA="0" compatLnSpc="1">
-            <a:prstTxWarp prst="textNoShape">
-              <a:avLst/>
-            </a:prstTxWarp>
-            <a:noAutofit/>
-          </a:bodyPr>
-          <a:lstStyle/>
-          <a:p>
-            <a:pPr>
-              <a:spcAft>
-                <a:spcPts val="0"/>
-              </a:spcAft>
-            </a:pPr>
-            <a:r>
-              <a:rPr lang="en-GB" sz="1000" u="sng">
-                <a:effectLst/>
-                <a:latin typeface="Arial"/>
-                <a:ea typeface="ＭＳ 明朝"/>
-                <a:cs typeface="Times New Roman"/>
-              </a:rPr>
-              <a:t>Figure 1a</a:t>
-            </a:r>
-            <a:endParaRPr lang="en-GB" sz="1200">
-              <a:effectLst/>
-              <a:ea typeface="ＭＳ 明朝"/>
-              <a:cs typeface="Times New Roman"/>
-            </a:endParaRPr>
-          </a:p>
-          <a:p>
-            <a:pPr algn="just">
-              <a:spcAft>
-                <a:spcPts val="0"/>
-              </a:spcAft>
-            </a:pPr>
-            <a:r>
-              <a:rPr lang="en-GB" sz="1000">
-                <a:effectLst/>
-                <a:latin typeface="Arial"/>
-                <a:ea typeface="ＭＳ 明朝"/>
-                <a:cs typeface="Times New Roman"/>
-              </a:rPr>
-              <a:t>Bland-Altman 2D histograms comparing the unthresholded group-level T-statistic maps computed as part of the reproduction analyses of the ds000001 and ds000109 studies within AFNI, FSL and SPM. Left; comparisons of the T-statistic images contrasting the parametric modulation of pumps of the reward balloons versus parametric modulation of pumps of the control balloon in the balloon analog risk task associated to the ds000001 study. Right; comparisons of the T-statistic images contrasting the false-belief versus false-photo activations in the false belief task associated to ds000109. </a:t>
-            </a:r>
-            <a:endParaRPr lang="en-GB" sz="1200">
-              <a:effectLst/>
-              <a:ea typeface="ＭＳ 明朝"/>
-              <a:cs typeface="Times New Roman"/>
-            </a:endParaRPr>
-          </a:p>
-          <a:p>
-            <a:pPr algn="just">
-              <a:spcAft>
-                <a:spcPts val="0"/>
-              </a:spcAft>
-            </a:pPr>
-            <a:r>
-              <a:rPr lang="en-GB" sz="1000">
-                <a:effectLst/>
-                <a:latin typeface="Arial"/>
-                <a:ea typeface="ＭＳ 明朝"/>
-                <a:cs typeface="Times New Roman"/>
-              </a:rPr>
-              <a:t>Density maps show the relationship between the average T-statistic value and difference of T-statistic values at corresponding voxels in the unthresholded T-statistic images for each pairwise combination of software packages. The x-axis is highlighted in red – densities along this line indicate agreement between software on the size of activation at corresponding voxels. </a:t>
-            </a:r>
-            <a:endParaRPr lang="en-GB" sz="1200">
-              <a:effectLst/>
-              <a:ea typeface="ＭＳ 明朝"/>
-              <a:cs typeface="Times New Roman"/>
-            </a:endParaRPr>
-          </a:p>
-          <a:p>
-            <a:pPr algn="just">
-              <a:spcAft>
-                <a:spcPts val="0"/>
-              </a:spcAft>
-            </a:pPr>
-            <a:r>
-              <a:rPr lang="en-GB" sz="1200">
+            <a:ln>
+              <a:noFill/>
+            </a:ln>
+            <a:effectLst/>
+            <a:extLst>
+              <a:ext uri="{C572A759-6A51-4108-AA02-DFA0A04FC94B}">
+                <ma14:wrappingTextBoxFlag xmlns:ma14="http://schemas.microsoft.com/office/mac/drawingml/2011/main"/>
+              </a:ext>
+            </a:extLst>
+          </p:spPr>
+          <p:style>
+            <a:lnRef idx="0">
+              <a:schemeClr val="accent1"/>
+            </a:lnRef>
+            <a:fillRef idx="0">
+              <a:schemeClr val="accent1"/>
+            </a:fillRef>
+            <a:effectRef idx="0">
+              <a:schemeClr val="accent1"/>
+            </a:effectRef>
+            <a:fontRef idx="minor">
+              <a:schemeClr val="dk1"/>
+            </a:fontRef>
+          </p:style>
+          <p:txBody>
+            <a:bodyPr rot="0" spcFirstLastPara="0" vert="horz" wrap="square" lIns="91440" tIns="45720" rIns="91440" bIns="45720" numCol="1" spcCol="0" rtlCol="0" fromWordArt="0" anchor="t" anchorCtr="0" forceAA="0" compatLnSpc="1">
+              <a:prstTxWarp prst="textNoShape">
+                <a:avLst/>
+              </a:prstTxWarp>
+              <a:noAutofit/>
+            </a:bodyPr>
+            <a:lstStyle/>
+            <a:p>
+              <a:pPr>
+                <a:spcAft>
+                  <a:spcPts val="0"/>
+                </a:spcAft>
+              </a:pPr>
+              <a:r>
+                <a:rPr lang="en-GB" sz="1000" u="sng" dirty="0">
+                  <a:effectLst/>
+                  <a:latin typeface="Arial"/>
+                  <a:ea typeface="ＭＳ 明朝"/>
+                  <a:cs typeface="Times New Roman"/>
+                </a:rPr>
+                <a:t>Figure 1a</a:t>
+              </a:r>
+              <a:endParaRPr lang="en-GB" sz="1200" dirty="0">
                 <a:effectLst/>
                 <a:ea typeface="ＭＳ 明朝"/>
                 <a:cs typeface="Times New Roman"/>
-              </a:rPr>
-              <a:t> </a:t>
-            </a:r>
-          </a:p>
-        </p:txBody>
-      </p:sp>
-      <p:pic>
-        <p:nvPicPr>
-          <p:cNvPr id="11" name="Picture 10" descr="Macintosh HD:Users:maullz:Desktop:Software_Comparison:figures:figures:Slide19.png"/>
-          <p:cNvPicPr/>
-          <p:nvPr/>
-        </p:nvPicPr>
-        <p:blipFill>
-          <a:blip r:embed="rId2">
-            <a:extLst>
-              <a:ext uri="{28A0092B-C50C-407E-A947-70E740481C1C}">
-                <a14:useLocalDpi xmlns:a14="http://schemas.microsoft.com/office/drawing/2010/main" val="0"/>
-              </a:ext>
-            </a:extLst>
-          </a:blip>
-          <a:srcRect/>
-          <a:stretch>
-            <a:fillRect/>
-          </a:stretch>
-        </p:blipFill>
-        <p:spPr bwMode="auto">
-          <a:xfrm>
-            <a:off x="792798" y="209550"/>
-            <a:ext cx="5272405" cy="7470140"/>
-          </a:xfrm>
-          <a:prstGeom prst="rect">
-            <a:avLst/>
-          </a:prstGeom>
-          <a:noFill/>
-          <a:ln>
+              </a:endParaRPr>
+            </a:p>
+            <a:p>
+              <a:pPr algn="just">
+                <a:spcAft>
+                  <a:spcPts val="0"/>
+                </a:spcAft>
+              </a:pPr>
+              <a:r>
+                <a:rPr lang="en-GB" sz="1000" dirty="0">
+                  <a:effectLst/>
+                  <a:latin typeface="Arial"/>
+                  <a:ea typeface="ＭＳ 明朝"/>
+                  <a:cs typeface="Times New Roman"/>
+                </a:rPr>
+                <a:t>Bland-Altman 2D histograms comparing the </a:t>
+              </a:r>
+              <a:r>
+                <a:rPr lang="en-GB" sz="1000" dirty="0" err="1">
+                  <a:effectLst/>
+                  <a:latin typeface="Arial"/>
+                  <a:ea typeface="ＭＳ 明朝"/>
+                  <a:cs typeface="Times New Roman"/>
+                </a:rPr>
+                <a:t>unthresholded</a:t>
+              </a:r>
+              <a:r>
+                <a:rPr lang="en-GB" sz="1000" dirty="0">
+                  <a:effectLst/>
+                  <a:latin typeface="Arial"/>
+                  <a:ea typeface="ＭＳ 明朝"/>
+                  <a:cs typeface="Times New Roman"/>
+                </a:rPr>
+                <a:t> group-level T-statistic maps computed as part of the reproduction analyses of the ds000001 and ds000109 studies within AFNI, FSL and SPM. Left; comparisons of the T-statistic images contrasting the parametric modulation of pumps of the reward balloons versus parametric modulation of pumps of the control balloon in the balloon </a:t>
+              </a:r>
+              <a:r>
+                <a:rPr lang="en-GB" sz="1000" dirty="0" err="1">
+                  <a:effectLst/>
+                  <a:latin typeface="Arial"/>
+                  <a:ea typeface="ＭＳ 明朝"/>
+                  <a:cs typeface="Times New Roman"/>
+                </a:rPr>
+                <a:t>analog</a:t>
+              </a:r>
+              <a:r>
+                <a:rPr lang="en-GB" sz="1000" dirty="0">
+                  <a:effectLst/>
+                  <a:latin typeface="Arial"/>
+                  <a:ea typeface="ＭＳ 明朝"/>
+                  <a:cs typeface="Times New Roman"/>
+                </a:rPr>
+                <a:t> risk task associated to the ds000001 study. Right; comparisons of the T-statistic images contrasting the false-belief versus false-photo activations in the false belief task associated to ds000109. </a:t>
+              </a:r>
+              <a:endParaRPr lang="en-GB" sz="1200" dirty="0">
+                <a:effectLst/>
+                <a:ea typeface="ＭＳ 明朝"/>
+                <a:cs typeface="Times New Roman"/>
+              </a:endParaRPr>
+            </a:p>
+            <a:p>
+              <a:pPr algn="just">
+                <a:spcAft>
+                  <a:spcPts val="0"/>
+                </a:spcAft>
+              </a:pPr>
+              <a:r>
+                <a:rPr lang="en-GB" sz="1000" dirty="0">
+                  <a:effectLst/>
+                  <a:latin typeface="Arial"/>
+                  <a:ea typeface="ＭＳ 明朝"/>
+                  <a:cs typeface="Times New Roman"/>
+                </a:rPr>
+                <a:t>Density maps show the relationship between the average T-statistic value and difference of T-statistic values at corresponding voxels in the </a:t>
+              </a:r>
+              <a:r>
+                <a:rPr lang="en-GB" sz="1000" dirty="0" err="1">
+                  <a:effectLst/>
+                  <a:latin typeface="Arial"/>
+                  <a:ea typeface="ＭＳ 明朝"/>
+                  <a:cs typeface="Times New Roman"/>
+                </a:rPr>
+                <a:t>unthresholded</a:t>
+              </a:r>
+              <a:r>
+                <a:rPr lang="en-GB" sz="1000" dirty="0">
+                  <a:effectLst/>
+                  <a:latin typeface="Arial"/>
+                  <a:ea typeface="ＭＳ 明朝"/>
+                  <a:cs typeface="Times New Roman"/>
+                </a:rPr>
+                <a:t> T-statistic images for each pairwise combination of software packages. The x-axis is highlighted in red – densities along this line indicate agreement between software on the size of activation at corresponding voxels. </a:t>
+              </a:r>
+              <a:endParaRPr lang="en-GB" sz="1200" dirty="0">
+                <a:effectLst/>
+                <a:ea typeface="ＭＳ 明朝"/>
+                <a:cs typeface="Times New Roman"/>
+              </a:endParaRPr>
+            </a:p>
+            <a:p>
+              <a:pPr algn="just">
+                <a:spcAft>
+                  <a:spcPts val="0"/>
+                </a:spcAft>
+              </a:pPr>
+              <a:r>
+                <a:rPr lang="en-GB" sz="1200" dirty="0">
+                  <a:effectLst/>
+                  <a:ea typeface="ＭＳ 明朝"/>
+                  <a:cs typeface="Times New Roman"/>
+                </a:rPr>
+                <a:t> </a:t>
+              </a:r>
+            </a:p>
+          </p:txBody>
+        </p:sp>
+        <p:pic>
+          <p:nvPicPr>
+            <p:cNvPr id="11" name="Picture 10" descr="Macintosh HD:Users:maullz:Desktop:Software_Comparison:figures:figures:Slide19.png"/>
+            <p:cNvPicPr/>
+            <p:nvPr/>
+          </p:nvPicPr>
+          <p:blipFill>
+            <a:blip r:embed="rId2">
+              <a:extLst>
+                <a:ext uri="{28A0092B-C50C-407E-A947-70E740481C1C}">
+                  <a14:useLocalDpi xmlns:a14="http://schemas.microsoft.com/office/drawing/2010/main" val="0"/>
+                </a:ext>
+              </a:extLst>
+            </a:blip>
+            <a:srcRect/>
+            <a:stretch>
+              <a:fillRect/>
+            </a:stretch>
+          </p:blipFill>
+          <p:spPr bwMode="auto">
+            <a:xfrm>
+              <a:off x="792798" y="209552"/>
+              <a:ext cx="5272405" cy="7470140"/>
+            </a:xfrm>
+            <a:prstGeom prst="rect">
+              <a:avLst/>
+            </a:prstGeom>
             <a:noFill/>
-          </a:ln>
-        </p:spPr>
-      </p:pic>
+            <a:ln>
+              <a:noFill/>
+            </a:ln>
+          </p:spPr>
+        </p:pic>
+      </p:grpSp>
     </p:spTree>
     <p:extLst>
       <p:ext uri="{BB962C8B-B14F-4D97-AF65-F5344CB8AC3E}">
@@ -3398,7 +3467,7 @@
                 </a:spcAft>
               </a:pPr>
               <a:r>
-                <a:rPr lang="en-GB" sz="1000" u="sng">
+                <a:rPr lang="en-GB" sz="1000" u="sng" dirty="0">
                   <a:effectLst/>
                   <a:latin typeface="Arial"/>
                   <a:ea typeface="ＭＳ 明朝"/>
@@ -3406,7 +3475,7 @@
                 </a:rPr>
                 <a:t>Figure 1b</a:t>
               </a:r>
-              <a:endParaRPr lang="en-GB" sz="1200">
+              <a:endParaRPr lang="en-GB" sz="1200" dirty="0">
                 <a:effectLst/>
                 <a:ea typeface="ＭＳ 明朝"/>
                 <a:cs typeface="Times New Roman"/>
@@ -3419,15 +3488,33 @@
                 </a:spcAft>
               </a:pPr>
               <a:r>
-                <a:rPr lang="en-GB" sz="1000">
+                <a:rPr lang="en-GB" sz="1000" dirty="0">
                   <a:effectLst/>
                   <a:latin typeface="Arial"/>
                   <a:ea typeface="ＭＳ 明朝"/>
                   <a:cs typeface="Times New Roman"/>
                 </a:rPr>
-                <a:t>Bland-Altman 2D histogram comparing the unthresholded main effect of time F-statistic maps computed in AFNI and SPM for reproductions of the ds000120 study.    </a:t>
+                <a:t>Bland-Altman 2D histogram comparing the </a:t>
               </a:r>
-              <a:endParaRPr lang="en-GB" sz="1200">
+              <a:r>
+                <a:rPr lang="en-GB" sz="1000" dirty="0" err="1">
+                  <a:effectLst/>
+                  <a:latin typeface="Arial"/>
+                  <a:ea typeface="ＭＳ 明朝"/>
+                  <a:cs typeface="Times New Roman"/>
+                </a:rPr>
+                <a:t>unthresholded</a:t>
+              </a:r>
+              <a:r>
+                <a:rPr lang="en-GB" sz="1000" dirty="0">
+                  <a:effectLst/>
+                  <a:latin typeface="Arial"/>
+                  <a:ea typeface="ＭＳ 明朝"/>
+                  <a:cs typeface="Times New Roman"/>
+                </a:rPr>
+                <a:t> main effect of time F-statistic maps computed in AFNI and SPM for reproductions of the ds000120 study.    </a:t>
+              </a:r>
+              <a:endParaRPr lang="en-GB" sz="1200" dirty="0">
                 <a:effectLst/>
                 <a:ea typeface="ＭＳ 明朝"/>
                 <a:cs typeface="Times New Roman"/>
@@ -3440,7 +3527,7 @@
                 </a:spcAft>
               </a:pPr>
               <a:r>
-                <a:rPr lang="en-GB" sz="1200">
+                <a:rPr lang="en-GB" sz="1200" dirty="0">
                   <a:effectLst/>
                   <a:ea typeface="ＭＳ 明朝"/>
                   <a:cs typeface="Times New Roman"/>
@@ -3481,187 +3568,202 @@
           <a:chExt cx="0" cy="0"/>
         </a:xfrm>
       </p:grpSpPr>
-      <p:sp>
-        <p:nvSpPr>
-          <p:cNvPr id="5" name="Text Box 13"/>
-          <p:cNvSpPr txBox="1"/>
+      <p:grpSp>
+        <p:nvGrpSpPr>
+          <p:cNvPr id="2" name="Group 1"/>
+          <p:cNvGrpSpPr/>
           <p:nvPr/>
-        </p:nvSpPr>
-        <p:spPr>
+        </p:nvGrpSpPr>
+        <p:grpSpPr>
           <a:xfrm>
-            <a:off x="634906" y="5728170"/>
-            <a:ext cx="4914900" cy="1485900"/>
+            <a:off x="634906" y="584670"/>
+            <a:ext cx="4914900" cy="6629400"/>
+            <a:chOff x="634906" y="584670"/>
+            <a:chExt cx="4914900" cy="6629400"/>
           </a:xfrm>
-          <a:prstGeom prst="rect">
-            <a:avLst/>
-          </a:prstGeom>
-          <a:noFill/>
-          <a:ln>
+        </p:grpSpPr>
+        <p:sp>
+          <p:nvSpPr>
+            <p:cNvPr id="5" name="Text Box 13"/>
+            <p:cNvSpPr txBox="1"/>
+            <p:nvPr/>
+          </p:nvSpPr>
+          <p:spPr>
+            <a:xfrm>
+              <a:off x="634906" y="5728170"/>
+              <a:ext cx="4914900" cy="1485900"/>
+            </a:xfrm>
+            <a:prstGeom prst="rect">
+              <a:avLst/>
+            </a:prstGeom>
             <a:noFill/>
-          </a:ln>
-          <a:effectLst/>
-          <a:extLst>
-            <a:ext uri="{C572A759-6A51-4108-AA02-DFA0A04FC94B}">
-              <ma14:wrappingTextBoxFlag xmlns:ma14="http://schemas.microsoft.com/office/mac/drawingml/2011/main"/>
-            </a:ext>
-          </a:extLst>
-        </p:spPr>
-        <p:style>
-          <a:lnRef idx="0">
-            <a:schemeClr val="accent1"/>
-          </a:lnRef>
-          <a:fillRef idx="0">
-            <a:schemeClr val="accent1"/>
-          </a:fillRef>
-          <a:effectRef idx="0">
-            <a:schemeClr val="accent1"/>
-          </a:effectRef>
-          <a:fontRef idx="minor">
-            <a:schemeClr val="dk1"/>
-          </a:fontRef>
-        </p:style>
-        <p:txBody>
-          <a:bodyPr rot="0" spcFirstLastPara="0" vert="horz" wrap="square" lIns="91440" tIns="45720" rIns="91440" bIns="45720" numCol="1" spcCol="0" rtlCol="0" fromWordArt="0" anchor="t" anchorCtr="0" forceAA="0" compatLnSpc="1">
-            <a:prstTxWarp prst="textNoShape">
-              <a:avLst/>
-            </a:prstTxWarp>
-            <a:noAutofit/>
-          </a:bodyPr>
-          <a:lstStyle/>
-          <a:p>
-            <a:pPr>
-              <a:spcAft>
-                <a:spcPts val="0"/>
-              </a:spcAft>
-            </a:pPr>
-            <a:r>
-              <a:rPr lang="en-GB" sz="200" u="none" strike="noStrike">
-                <a:effectLst/>
-                <a:latin typeface="Arial"/>
-                <a:ea typeface="ＭＳ 明朝"/>
-                <a:cs typeface="Times New Roman"/>
-              </a:rPr>
-              <a:t> </a:t>
-            </a:r>
-            <a:endParaRPr lang="en-GB" sz="1200">
-              <a:effectLst/>
-              <a:ea typeface="ＭＳ 明朝"/>
-              <a:cs typeface="Times New Roman"/>
-            </a:endParaRPr>
-          </a:p>
-          <a:p>
-            <a:pPr>
-              <a:spcAft>
-                <a:spcPts val="0"/>
-              </a:spcAft>
-            </a:pPr>
-            <a:r>
-              <a:rPr lang="en-GB" sz="1000" u="sng">
-                <a:effectLst/>
-                <a:latin typeface="Arial"/>
-                <a:ea typeface="ＭＳ 明朝"/>
-                <a:cs typeface="Times New Roman"/>
-              </a:rPr>
-              <a:t>Figure 4</a:t>
-            </a:r>
-            <a:endParaRPr lang="en-GB" sz="1200">
-              <a:effectLst/>
-              <a:ea typeface="ＭＳ 明朝"/>
-              <a:cs typeface="Times New Roman"/>
-            </a:endParaRPr>
-          </a:p>
-          <a:p>
-            <a:pPr algn="just">
-              <a:spcAft>
-                <a:spcPts val="0"/>
-              </a:spcAft>
-            </a:pPr>
-            <a:r>
-              <a:rPr lang="en-GB" sz="1000">
-                <a:effectLst/>
-                <a:latin typeface="Arial"/>
-                <a:ea typeface="ＭＳ 明朝"/>
-                <a:cs typeface="Times New Roman"/>
-              </a:rPr>
-              <a:t>Reproductions of the main figure from the ds000001 balloon analog risk task study contrasting the parametric modulation of pumps of reward balloons versus the parametric modulation of control balloons. Corresponding slices of the thresholded T-statistic images for each software package are displayed; beneath, Figure 03 taken from the </a:t>
-            </a:r>
-            <a:r>
-              <a:rPr lang="en-GB" sz="1000" i="1">
-                <a:effectLst/>
-                <a:latin typeface="Arial"/>
-                <a:ea typeface="ＭＳ 明朝"/>
-                <a:cs typeface="Times New Roman"/>
-              </a:rPr>
-              <a:t>Schonberg et al. </a:t>
-            </a:r>
-            <a:r>
-              <a:rPr lang="en-GB" sz="1000">
-                <a:effectLst/>
-                <a:latin typeface="Arial"/>
-                <a:ea typeface="ＭＳ 明朝"/>
-                <a:cs typeface="Times New Roman"/>
-              </a:rPr>
-              <a:t>publication connected to the ds000001 dataset. The publication analysis was conducted using FSL. While overall there is similarity between packages on the determined regions of activation, there is discordance over the size of activations as well as the precise areas of activation within a region. </a:t>
-            </a:r>
-            <a:endParaRPr lang="en-GB" sz="1200">
-              <a:effectLst/>
-              <a:ea typeface="ＭＳ 明朝"/>
-              <a:cs typeface="Times New Roman"/>
-            </a:endParaRPr>
-          </a:p>
-          <a:p>
-            <a:pPr>
-              <a:spcAft>
-                <a:spcPts val="0"/>
-              </a:spcAft>
-            </a:pPr>
-            <a:r>
-              <a:rPr lang="en-GB" sz="1200">
+            <a:ln>
+              <a:noFill/>
+            </a:ln>
+            <a:effectLst/>
+            <a:extLst>
+              <a:ext uri="{C572A759-6A51-4108-AA02-DFA0A04FC94B}">
+                <ma14:wrappingTextBoxFlag xmlns:ma14="http://schemas.microsoft.com/office/mac/drawingml/2011/main"/>
+              </a:ext>
+            </a:extLst>
+          </p:spPr>
+          <p:style>
+            <a:lnRef idx="0">
+              <a:schemeClr val="accent1"/>
+            </a:lnRef>
+            <a:fillRef idx="0">
+              <a:schemeClr val="accent1"/>
+            </a:fillRef>
+            <a:effectRef idx="0">
+              <a:schemeClr val="accent1"/>
+            </a:effectRef>
+            <a:fontRef idx="minor">
+              <a:schemeClr val="dk1"/>
+            </a:fontRef>
+          </p:style>
+          <p:txBody>
+            <a:bodyPr rot="0" spcFirstLastPara="0" vert="horz" wrap="square" lIns="91440" tIns="45720" rIns="91440" bIns="45720" numCol="1" spcCol="0" rtlCol="0" fromWordArt="0" anchor="t" anchorCtr="0" forceAA="0" compatLnSpc="1">
+              <a:prstTxWarp prst="textNoShape">
+                <a:avLst/>
+              </a:prstTxWarp>
+              <a:noAutofit/>
+            </a:bodyPr>
+            <a:lstStyle/>
+            <a:p>
+              <a:pPr>
+                <a:spcAft>
+                  <a:spcPts val="0"/>
+                </a:spcAft>
+              </a:pPr>
+              <a:r>
+                <a:rPr lang="en-GB" sz="200" u="none" strike="noStrike">
+                  <a:effectLst/>
+                  <a:latin typeface="Arial"/>
+                  <a:ea typeface="ＭＳ 明朝"/>
+                  <a:cs typeface="Times New Roman"/>
+                </a:rPr>
+                <a:t> </a:t>
+              </a:r>
+              <a:endParaRPr lang="en-GB" sz="1200">
                 <a:effectLst/>
                 <a:ea typeface="ＭＳ 明朝"/>
                 <a:cs typeface="Times New Roman"/>
-              </a:rPr>
-              <a:t> </a:t>
-            </a:r>
-          </a:p>
-        </p:txBody>
-      </p:sp>
-      <p:pic>
-        <p:nvPicPr>
-          <p:cNvPr id="6" name="Picture 5" descr="Macintosh HD:Users:maullz:Desktop:Software_Comparison:figures:figures:Slide06.png"/>
-          <p:cNvPicPr/>
-          <p:nvPr/>
-        </p:nvPicPr>
-        <p:blipFill rotWithShape="1">
-          <a:blip r:embed="rId2">
+              </a:endParaRPr>
+            </a:p>
+            <a:p>
+              <a:pPr>
+                <a:spcAft>
+                  <a:spcPts val="0"/>
+                </a:spcAft>
+              </a:pPr>
+              <a:r>
+                <a:rPr lang="en-GB" sz="1000" u="sng">
+                  <a:effectLst/>
+                  <a:latin typeface="Arial"/>
+                  <a:ea typeface="ＭＳ 明朝"/>
+                  <a:cs typeface="Times New Roman"/>
+                </a:rPr>
+                <a:t>Figure 4</a:t>
+              </a:r>
+              <a:endParaRPr lang="en-GB" sz="1200">
+                <a:effectLst/>
+                <a:ea typeface="ＭＳ 明朝"/>
+                <a:cs typeface="Times New Roman"/>
+              </a:endParaRPr>
+            </a:p>
+            <a:p>
+              <a:pPr algn="just">
+                <a:spcAft>
+                  <a:spcPts val="0"/>
+                </a:spcAft>
+              </a:pPr>
+              <a:r>
+                <a:rPr lang="en-GB" sz="1000">
+                  <a:effectLst/>
+                  <a:latin typeface="Arial"/>
+                  <a:ea typeface="ＭＳ 明朝"/>
+                  <a:cs typeface="Times New Roman"/>
+                </a:rPr>
+                <a:t>Reproductions of the main figure from the ds000001 balloon analog risk task study contrasting the parametric modulation of pumps of reward balloons versus the parametric modulation of control balloons. Corresponding slices of the thresholded T-statistic images for each software package are displayed; beneath, Figure 03 taken from the </a:t>
+              </a:r>
+              <a:r>
+                <a:rPr lang="en-GB" sz="1000" i="1">
+                  <a:effectLst/>
+                  <a:latin typeface="Arial"/>
+                  <a:ea typeface="ＭＳ 明朝"/>
+                  <a:cs typeface="Times New Roman"/>
+                </a:rPr>
+                <a:t>Schonberg et al. </a:t>
+              </a:r>
+              <a:r>
+                <a:rPr lang="en-GB" sz="1000">
+                  <a:effectLst/>
+                  <a:latin typeface="Arial"/>
+                  <a:ea typeface="ＭＳ 明朝"/>
+                  <a:cs typeface="Times New Roman"/>
+                </a:rPr>
+                <a:t>publication connected to the ds000001 dataset. The publication analysis was conducted using FSL. While overall there is similarity between packages on the determined regions of activation, there is discordance over the size of activations as well as the precise areas of activation within a region. </a:t>
+              </a:r>
+              <a:endParaRPr lang="en-GB" sz="1200">
+                <a:effectLst/>
+                <a:ea typeface="ＭＳ 明朝"/>
+                <a:cs typeface="Times New Roman"/>
+              </a:endParaRPr>
+            </a:p>
+            <a:p>
+              <a:pPr>
+                <a:spcAft>
+                  <a:spcPts val="0"/>
+                </a:spcAft>
+              </a:pPr>
+              <a:r>
+                <a:rPr lang="en-GB" sz="1200">
+                  <a:effectLst/>
+                  <a:ea typeface="ＭＳ 明朝"/>
+                  <a:cs typeface="Times New Roman"/>
+                </a:rPr>
+                <a:t> </a:t>
+              </a:r>
+            </a:p>
+          </p:txBody>
+        </p:sp>
+        <p:pic>
+          <p:nvPicPr>
+            <p:cNvPr id="6" name="Picture 5" descr="Macintosh HD:Users:maullz:Desktop:Software_Comparison:figures:figures:Slide06.png"/>
+            <p:cNvPicPr/>
+            <p:nvPr/>
+          </p:nvPicPr>
+          <p:blipFill rotWithShape="1">
+            <a:blip r:embed="rId2">
+              <a:extLst>
+                <a:ext uri="{28A0092B-C50C-407E-A947-70E740481C1C}">
+                  <a14:useLocalDpi xmlns:a14="http://schemas.microsoft.com/office/drawing/2010/main" val="0"/>
+                </a:ext>
+              </a:extLst>
+            </a:blip>
+            <a:srcRect l="2937" t="8983" r="4040" b="21411"/>
+            <a:stretch/>
+          </p:blipFill>
+          <p:spPr bwMode="auto">
+            <a:xfrm>
+              <a:off x="634906" y="584670"/>
+              <a:ext cx="4903470" cy="5198745"/>
+            </a:xfrm>
+            <a:prstGeom prst="rect">
+              <a:avLst/>
+            </a:prstGeom>
+            <a:noFill/>
+            <a:ln>
+              <a:noFill/>
+            </a:ln>
             <a:extLst>
-              <a:ext uri="{28A0092B-C50C-407E-A947-70E740481C1C}">
-                <a14:useLocalDpi xmlns:a14="http://schemas.microsoft.com/office/drawing/2010/main" val="0"/>
+              <a:ext uri="{53640926-AAD7-44d8-BBD7-CCE9431645EC}">
+                <a14:shadowObscured xmlns:a14="http://schemas.microsoft.com/office/drawing/2010/main"/>
               </a:ext>
             </a:extLst>
-          </a:blip>
-          <a:srcRect l="2937" t="8983" r="4040" b="21411"/>
-          <a:stretch/>
-        </p:blipFill>
-        <p:spPr bwMode="auto">
-          <a:xfrm>
-            <a:off x="634906" y="584670"/>
-            <a:ext cx="4903470" cy="5198745"/>
-          </a:xfrm>
-          <a:prstGeom prst="rect">
-            <a:avLst/>
-          </a:prstGeom>
-          <a:noFill/>
-          <a:ln>
-            <a:noFill/>
-          </a:ln>
-          <a:extLst>
-            <a:ext uri="{53640926-AAD7-44d8-BBD7-CCE9431645EC}">
-              <a14:shadowObscured xmlns:a14="http://schemas.microsoft.com/office/drawing/2010/main"/>
-            </a:ext>
-          </a:extLst>
-        </p:spPr>
-      </p:pic>
+          </p:spPr>
+        </p:pic>
+      </p:grpSp>
     </p:spTree>
     <p:extLst>
       <p:ext uri="{BB962C8B-B14F-4D97-AF65-F5344CB8AC3E}">
@@ -3692,145 +3794,160 @@
           <a:chExt cx="0" cy="0"/>
         </a:xfrm>
       </p:grpSpPr>
-      <p:pic>
-        <p:nvPicPr>
-          <p:cNvPr id="4" name="Picture 3" descr="Macintosh HD:Users:maullz:Desktop:Software_Comparison:figures:figures:Slide21.png"/>
-          <p:cNvPicPr/>
+      <p:grpSp>
+        <p:nvGrpSpPr>
+          <p:cNvPr id="2" name="Group 1"/>
+          <p:cNvGrpSpPr/>
           <p:nvPr/>
-        </p:nvPicPr>
-        <p:blipFill>
-          <a:blip r:embed="rId2">
+        </p:nvGrpSpPr>
+        <p:grpSpPr>
+          <a:xfrm>
+            <a:off x="778193" y="564927"/>
+            <a:ext cx="5272405" cy="8456295"/>
+            <a:chOff x="778193" y="564927"/>
+            <a:chExt cx="5272405" cy="8456295"/>
+          </a:xfrm>
+        </p:grpSpPr>
+        <p:pic>
+          <p:nvPicPr>
+            <p:cNvPr id="4" name="Picture 3" descr="Macintosh HD:Users:maullz:Desktop:Software_Comparison:figures:figures:Slide21.png"/>
+            <p:cNvPicPr/>
+            <p:nvPr/>
+          </p:nvPicPr>
+          <p:blipFill>
+            <a:blip r:embed="rId2">
+              <a:extLst>
+                <a:ext uri="{28A0092B-C50C-407E-A947-70E740481C1C}">
+                  <a14:useLocalDpi xmlns:a14="http://schemas.microsoft.com/office/drawing/2010/main" val="0"/>
+                </a:ext>
+              </a:extLst>
+            </a:blip>
+            <a:srcRect/>
+            <a:stretch>
+              <a:fillRect/>
+            </a:stretch>
+          </p:blipFill>
+          <p:spPr bwMode="auto">
+            <a:xfrm>
+              <a:off x="778193" y="564927"/>
+              <a:ext cx="5272405" cy="7470140"/>
+            </a:xfrm>
+            <a:prstGeom prst="rect">
+              <a:avLst/>
+            </a:prstGeom>
+            <a:noFill/>
+            <a:ln>
+              <a:noFill/>
+            </a:ln>
+          </p:spPr>
+        </p:pic>
+        <p:sp>
+          <p:nvSpPr>
+            <p:cNvPr id="5" name="Text Box 12"/>
+            <p:cNvSpPr txBox="1"/>
+            <p:nvPr/>
+          </p:nvSpPr>
+          <p:spPr>
+            <a:xfrm>
+              <a:off x="778193" y="7992522"/>
+              <a:ext cx="5257800" cy="1028700"/>
+            </a:xfrm>
+            <a:prstGeom prst="rect">
+              <a:avLst/>
+            </a:prstGeom>
+            <a:noFill/>
+            <a:ln>
+              <a:noFill/>
+            </a:ln>
+            <a:effectLst/>
             <a:extLst>
-              <a:ext uri="{28A0092B-C50C-407E-A947-70E740481C1C}">
-                <a14:useLocalDpi xmlns:a14="http://schemas.microsoft.com/office/drawing/2010/main" val="0"/>
+              <a:ext uri="{C572A759-6A51-4108-AA02-DFA0A04FC94B}">
+                <ma14:wrappingTextBoxFlag xmlns:ma14="http://schemas.microsoft.com/office/mac/drawingml/2011/main"/>
               </a:ext>
             </a:extLst>
-          </a:blip>
-          <a:srcRect/>
-          <a:stretch>
-            <a:fillRect/>
-          </a:stretch>
-        </p:blipFill>
-        <p:spPr bwMode="auto">
-          <a:xfrm>
-            <a:off x="778193" y="564927"/>
-            <a:ext cx="5272405" cy="7470140"/>
-          </a:xfrm>
-          <a:prstGeom prst="rect">
-            <a:avLst/>
-          </a:prstGeom>
-          <a:noFill/>
-          <a:ln>
-            <a:noFill/>
-          </a:ln>
-        </p:spPr>
-      </p:pic>
-      <p:sp>
-        <p:nvSpPr>
-          <p:cNvPr id="5" name="Text Box 12"/>
-          <p:cNvSpPr txBox="1"/>
-          <p:nvPr/>
-        </p:nvSpPr>
-        <p:spPr>
-          <a:xfrm>
-            <a:off x="778193" y="7992522"/>
-            <a:ext cx="5257800" cy="1028700"/>
-          </a:xfrm>
-          <a:prstGeom prst="rect">
-            <a:avLst/>
-          </a:prstGeom>
-          <a:noFill/>
-          <a:ln>
-            <a:noFill/>
-          </a:ln>
-          <a:effectLst/>
-          <a:extLst>
-            <a:ext uri="{C572A759-6A51-4108-AA02-DFA0A04FC94B}">
-              <ma14:wrappingTextBoxFlag xmlns:ma14="http://schemas.microsoft.com/office/mac/drawingml/2011/main"/>
-            </a:ext>
-          </a:extLst>
-        </p:spPr>
-        <p:style>
-          <a:lnRef idx="0">
-            <a:schemeClr val="accent1"/>
-          </a:lnRef>
-          <a:fillRef idx="0">
-            <a:schemeClr val="accent1"/>
-          </a:fillRef>
-          <a:effectRef idx="0">
-            <a:schemeClr val="accent1"/>
-          </a:effectRef>
-          <a:fontRef idx="minor">
-            <a:schemeClr val="dk1"/>
-          </a:fontRef>
-        </p:style>
-        <p:txBody>
-          <a:bodyPr rot="0" spcFirstLastPara="0" vert="horz" wrap="square" lIns="91440" tIns="45720" rIns="91440" bIns="45720" numCol="1" spcCol="0" rtlCol="0" fromWordArt="0" anchor="t" anchorCtr="0" forceAA="0" compatLnSpc="1">
-            <a:prstTxWarp prst="textNoShape">
-              <a:avLst/>
-            </a:prstTxWarp>
-            <a:noAutofit/>
-          </a:bodyPr>
-          <a:lstStyle/>
-          <a:p>
-            <a:pPr>
-              <a:spcAft>
-                <a:spcPts val="0"/>
-              </a:spcAft>
-            </a:pPr>
-            <a:r>
-              <a:rPr lang="en-GB" sz="1000" u="sng">
-                <a:effectLst/>
-                <a:latin typeface="Arial"/>
-                <a:ea typeface="ＭＳ 明朝"/>
-                <a:cs typeface="Times New Roman"/>
-              </a:rPr>
-              <a:t>Figure 5</a:t>
-            </a:r>
-            <a:endParaRPr lang="en-GB" sz="1200">
-              <a:effectLst/>
-              <a:ea typeface="ＭＳ 明朝"/>
-              <a:cs typeface="Times New Roman"/>
-            </a:endParaRPr>
-          </a:p>
-          <a:p>
-            <a:pPr algn="just">
-              <a:spcAft>
-                <a:spcPts val="0"/>
-              </a:spcAft>
-            </a:pPr>
-            <a:r>
-              <a:rPr lang="en-GB" sz="1000">
-                <a:effectLst/>
-                <a:latin typeface="Arial"/>
-                <a:ea typeface="ＭＳ 明朝"/>
-                <a:cs typeface="Times New Roman"/>
-              </a:rPr>
-              <a:t>Bland-Altman 2D histograms for the ds000001 and ds000109 studies comparing the unthresholded group-level T-statistic maps computed using permutation inference methods within AFNI, FSL and SPM. Similar to the results obtained using parametric inferences in Figure 1a, a cloud of densities common to all Bland-Altman plots indicates vast differences in the size of activations determined within each package.</a:t>
-            </a:r>
-            <a:endParaRPr lang="en-GB" sz="1200">
-              <a:effectLst/>
-              <a:ea typeface="ＭＳ 明朝"/>
-              <a:cs typeface="Times New Roman"/>
-            </a:endParaRPr>
-          </a:p>
-          <a:p>
-            <a:pPr>
-              <a:spcAft>
-                <a:spcPts val="0"/>
-              </a:spcAft>
-            </a:pPr>
-            <a:r>
-              <a:rPr lang="en-GB" sz="1200">
+          </p:spPr>
+          <p:style>
+            <a:lnRef idx="0">
+              <a:schemeClr val="accent1"/>
+            </a:lnRef>
+            <a:fillRef idx="0">
+              <a:schemeClr val="accent1"/>
+            </a:fillRef>
+            <a:effectRef idx="0">
+              <a:schemeClr val="accent1"/>
+            </a:effectRef>
+            <a:fontRef idx="minor">
+              <a:schemeClr val="dk1"/>
+            </a:fontRef>
+          </p:style>
+          <p:txBody>
+            <a:bodyPr rot="0" spcFirstLastPara="0" vert="horz" wrap="square" lIns="91440" tIns="45720" rIns="91440" bIns="45720" numCol="1" spcCol="0" rtlCol="0" fromWordArt="0" anchor="t" anchorCtr="0" forceAA="0" compatLnSpc="1">
+              <a:prstTxWarp prst="textNoShape">
+                <a:avLst/>
+              </a:prstTxWarp>
+              <a:noAutofit/>
+            </a:bodyPr>
+            <a:lstStyle/>
+            <a:p>
+              <a:pPr>
+                <a:spcAft>
+                  <a:spcPts val="0"/>
+                </a:spcAft>
+              </a:pPr>
+              <a:r>
+                <a:rPr lang="en-GB" sz="1000" u="sng">
+                  <a:effectLst/>
+                  <a:latin typeface="Arial"/>
+                  <a:ea typeface="ＭＳ 明朝"/>
+                  <a:cs typeface="Times New Roman"/>
+                </a:rPr>
+                <a:t>Figure 5</a:t>
+              </a:r>
+              <a:endParaRPr lang="en-GB" sz="1200">
                 <a:effectLst/>
                 <a:ea typeface="ＭＳ 明朝"/>
                 <a:cs typeface="Times New Roman"/>
-              </a:rPr>
-              <a:t> </a:t>
-            </a:r>
-          </a:p>
-        </p:txBody>
-      </p:sp>
+              </a:endParaRPr>
+            </a:p>
+            <a:p>
+              <a:pPr algn="just">
+                <a:spcAft>
+                  <a:spcPts val="0"/>
+                </a:spcAft>
+              </a:pPr>
+              <a:r>
+                <a:rPr lang="en-GB" sz="1000">
+                  <a:effectLst/>
+                  <a:latin typeface="Arial"/>
+                  <a:ea typeface="ＭＳ 明朝"/>
+                  <a:cs typeface="Times New Roman"/>
+                </a:rPr>
+                <a:t>Bland-Altman 2D histograms for the ds000001 and ds000109 studies comparing the unthresholded group-level T-statistic maps computed using permutation inference methods within AFNI, FSL and SPM. Similar to the results obtained using parametric inferences in Figure 1a, a cloud of densities common to all Bland-Altman plots indicates vast differences in the size of activations determined within each package.</a:t>
+              </a:r>
+              <a:endParaRPr lang="en-GB" sz="1200">
+                <a:effectLst/>
+                <a:ea typeface="ＭＳ 明朝"/>
+                <a:cs typeface="Times New Roman"/>
+              </a:endParaRPr>
+            </a:p>
+            <a:p>
+              <a:pPr>
+                <a:spcAft>
+                  <a:spcPts val="0"/>
+                </a:spcAft>
+              </a:pPr>
+              <a:r>
+                <a:rPr lang="en-GB" sz="1200">
+                  <a:effectLst/>
+                  <a:ea typeface="ＭＳ 明朝"/>
+                  <a:cs typeface="Times New Roman"/>
+                </a:rPr>
+                <a:t> </a:t>
+              </a:r>
+            </a:p>
+          </p:txBody>
+        </p:sp>
+      </p:grpSp>
     </p:spTree>
     <p:extLst>
       <p:ext uri="{BB962C8B-B14F-4D97-AF65-F5344CB8AC3E}">
@@ -3861,145 +3978,196 @@
           <a:chExt cx="0" cy="0"/>
         </a:xfrm>
       </p:grpSpPr>
-      <p:sp>
-        <p:nvSpPr>
-          <p:cNvPr id="4" name="Text Box 17"/>
-          <p:cNvSpPr txBox="1"/>
+      <p:grpSp>
+        <p:nvGrpSpPr>
+          <p:cNvPr id="2" name="Group 1"/>
+          <p:cNvGrpSpPr/>
           <p:nvPr/>
-        </p:nvSpPr>
-        <p:spPr>
+        </p:nvGrpSpPr>
+        <p:grpSpPr>
           <a:xfrm>
-            <a:off x="792798" y="7867650"/>
-            <a:ext cx="5257800" cy="1600200"/>
+            <a:off x="792798" y="438150"/>
+            <a:ext cx="5272405" cy="9029700"/>
+            <a:chOff x="792798" y="438150"/>
+            <a:chExt cx="5272405" cy="9029700"/>
           </a:xfrm>
-          <a:prstGeom prst="rect">
-            <a:avLst/>
-          </a:prstGeom>
-          <a:noFill/>
-          <a:ln>
+        </p:grpSpPr>
+        <p:sp>
+          <p:nvSpPr>
+            <p:cNvPr id="4" name="Text Box 17"/>
+            <p:cNvSpPr txBox="1"/>
+            <p:nvPr/>
+          </p:nvSpPr>
+          <p:spPr>
+            <a:xfrm>
+              <a:off x="792798" y="7867650"/>
+              <a:ext cx="5257800" cy="1600200"/>
+            </a:xfrm>
+            <a:prstGeom prst="rect">
+              <a:avLst/>
+            </a:prstGeom>
             <a:noFill/>
-          </a:ln>
-          <a:effectLst/>
-          <a:extLst>
-            <a:ext uri="{C572A759-6A51-4108-AA02-DFA0A04FC94B}">
-              <ma14:wrappingTextBoxFlag xmlns:ma14="http://schemas.microsoft.com/office/mac/drawingml/2011/main"/>
-            </a:ext>
-          </a:extLst>
-        </p:spPr>
-        <p:style>
-          <a:lnRef idx="0">
-            <a:schemeClr val="accent1"/>
-          </a:lnRef>
-          <a:fillRef idx="0">
-            <a:schemeClr val="accent1"/>
-          </a:fillRef>
-          <a:effectRef idx="0">
-            <a:schemeClr val="accent1"/>
-          </a:effectRef>
-          <a:fontRef idx="minor">
-            <a:schemeClr val="dk1"/>
-          </a:fontRef>
-        </p:style>
-        <p:txBody>
-          <a:bodyPr rot="0" spcFirstLastPara="0" vert="horz" wrap="square" lIns="91440" tIns="45720" rIns="91440" bIns="45720" numCol="1" spcCol="0" rtlCol="0" fromWordArt="0" anchor="t" anchorCtr="0" forceAA="0" compatLnSpc="1">
-            <a:prstTxWarp prst="textNoShape">
-              <a:avLst/>
-            </a:prstTxWarp>
-            <a:noAutofit/>
-          </a:bodyPr>
-          <a:lstStyle/>
-          <a:p>
-            <a:pPr>
-              <a:spcAft>
-                <a:spcPts val="0"/>
-              </a:spcAft>
-            </a:pPr>
-            <a:r>
-              <a:rPr lang="en-GB" sz="1000" u="sng">
-                <a:effectLst/>
-                <a:latin typeface="Arial"/>
-                <a:ea typeface="ＭＳ 明朝"/>
-                <a:cs typeface="Times New Roman"/>
-              </a:rPr>
-              <a:t>Figure 6</a:t>
-            </a:r>
-            <a:endParaRPr lang="en-GB" sz="1200">
-              <a:effectLst/>
-              <a:ea typeface="ＭＳ 明朝"/>
-              <a:cs typeface="Times New Roman"/>
-            </a:endParaRPr>
-          </a:p>
-          <a:p>
-            <a:pPr algn="just">
-              <a:spcAft>
-                <a:spcPts val="0"/>
-              </a:spcAft>
-            </a:pPr>
-            <a:r>
-              <a:rPr lang="en-GB" sz="1000">
-                <a:effectLst/>
-                <a:latin typeface="Arial"/>
-                <a:ea typeface="ＭＳ 明朝"/>
-                <a:cs typeface="Times New Roman"/>
-              </a:rPr>
-              <a:t>Bland-Altman 2D histograms for the ds000001 and ds000109 studies comparing the unthresholded group-level T-statistic maps computed within each software package using parametric or nonparametric inference methods. Overall, the concentration of densities along the x-axis of densities in the AFNI and SPM plots signal harmonization between the two methods within these software packages. This is particularly true for SPM where - noting the scale of the y-axis – the unthresholded T-statistic images obtained for both inference methods were identical up to numerical error, which scaled in accordance with the absolute size of the activation. The clouds of densities seen in the two FSL plots suggest much greater incoherence between the inference methods within this package.   </a:t>
-            </a:r>
-            <a:endParaRPr lang="en-GB" sz="1200">
-              <a:effectLst/>
-              <a:ea typeface="ＭＳ 明朝"/>
-              <a:cs typeface="Times New Roman"/>
-            </a:endParaRPr>
-          </a:p>
-          <a:p>
-            <a:pPr>
-              <a:spcAft>
-                <a:spcPts val="0"/>
-              </a:spcAft>
-            </a:pPr>
-            <a:r>
-              <a:rPr lang="en-GB" sz="1200">
+            <a:ln>
+              <a:noFill/>
+            </a:ln>
+            <a:effectLst/>
+            <a:extLst>
+              <a:ext uri="{C572A759-6A51-4108-AA02-DFA0A04FC94B}">
+                <ma14:wrappingTextBoxFlag xmlns:ma14="http://schemas.microsoft.com/office/mac/drawingml/2011/main"/>
+              </a:ext>
+            </a:extLst>
+          </p:spPr>
+          <p:style>
+            <a:lnRef idx="0">
+              <a:schemeClr val="accent1"/>
+            </a:lnRef>
+            <a:fillRef idx="0">
+              <a:schemeClr val="accent1"/>
+            </a:fillRef>
+            <a:effectRef idx="0">
+              <a:schemeClr val="accent1"/>
+            </a:effectRef>
+            <a:fontRef idx="minor">
+              <a:schemeClr val="dk1"/>
+            </a:fontRef>
+          </p:style>
+          <p:txBody>
+            <a:bodyPr rot="0" spcFirstLastPara="0" vert="horz" wrap="square" lIns="91440" tIns="45720" rIns="91440" bIns="45720" numCol="1" spcCol="0" rtlCol="0" fromWordArt="0" anchor="t" anchorCtr="0" forceAA="0" compatLnSpc="1">
+              <a:prstTxWarp prst="textNoShape">
+                <a:avLst/>
+              </a:prstTxWarp>
+              <a:noAutofit/>
+            </a:bodyPr>
+            <a:lstStyle/>
+            <a:p>
+              <a:pPr>
+                <a:spcAft>
+                  <a:spcPts val="0"/>
+                </a:spcAft>
+              </a:pPr>
+              <a:r>
+                <a:rPr lang="en-GB" sz="1000" u="sng" dirty="0">
+                  <a:effectLst/>
+                  <a:latin typeface="Arial"/>
+                  <a:ea typeface="ＭＳ 明朝"/>
+                  <a:cs typeface="Times New Roman"/>
+                </a:rPr>
+                <a:t>Figure 6</a:t>
+              </a:r>
+              <a:endParaRPr lang="en-GB" sz="1200" dirty="0">
                 <a:effectLst/>
                 <a:ea typeface="ＭＳ 明朝"/>
                 <a:cs typeface="Times New Roman"/>
-              </a:rPr>
-              <a:t> </a:t>
-            </a:r>
-          </a:p>
-        </p:txBody>
-      </p:sp>
-      <p:pic>
-        <p:nvPicPr>
-          <p:cNvPr id="5" name="Picture 4" descr="Macintosh HD:Users:maullz:Desktop:Software_Comparison:figures:figures:Slide22.png"/>
-          <p:cNvPicPr/>
-          <p:nvPr/>
-        </p:nvPicPr>
-        <p:blipFill>
-          <a:blip r:embed="rId2">
-            <a:extLst>
-              <a:ext uri="{28A0092B-C50C-407E-A947-70E740481C1C}">
-                <a14:useLocalDpi xmlns:a14="http://schemas.microsoft.com/office/drawing/2010/main" val="0"/>
-              </a:ext>
-            </a:extLst>
-          </a:blip>
-          <a:srcRect/>
-          <a:stretch>
-            <a:fillRect/>
-          </a:stretch>
-        </p:blipFill>
-        <p:spPr bwMode="auto">
-          <a:xfrm>
-            <a:off x="792798" y="438150"/>
-            <a:ext cx="5272405" cy="7470140"/>
-          </a:xfrm>
-          <a:prstGeom prst="rect">
-            <a:avLst/>
-          </a:prstGeom>
-          <a:noFill/>
-          <a:ln>
+              </a:endParaRPr>
+            </a:p>
+            <a:p>
+              <a:pPr algn="just">
+                <a:spcAft>
+                  <a:spcPts val="0"/>
+                </a:spcAft>
+              </a:pPr>
+              <a:r>
+                <a:rPr lang="en-GB" sz="1000" dirty="0">
+                  <a:effectLst/>
+                  <a:latin typeface="Arial"/>
+                  <a:ea typeface="ＭＳ 明朝"/>
+                  <a:cs typeface="Times New Roman"/>
+                </a:rPr>
+                <a:t>Bland-Altman 2D histograms for the ds000001 and ds000109 studies comparing the </a:t>
+              </a:r>
+              <a:r>
+                <a:rPr lang="en-GB" sz="1000" dirty="0" err="1">
+                  <a:effectLst/>
+                  <a:latin typeface="Arial"/>
+                  <a:ea typeface="ＭＳ 明朝"/>
+                  <a:cs typeface="Times New Roman"/>
+                </a:rPr>
+                <a:t>unthresholded</a:t>
+              </a:r>
+              <a:r>
+                <a:rPr lang="en-GB" sz="1000" dirty="0">
+                  <a:effectLst/>
+                  <a:latin typeface="Arial"/>
+                  <a:ea typeface="ＭＳ 明朝"/>
+                  <a:cs typeface="Times New Roman"/>
+                </a:rPr>
+                <a:t> group-level T-statistic maps computed within each software package using parametric or nonparametric inference methods. Overall, the concentration of densities along the x-axis of densities in the AFNI and SPM plots signal harmonization between the two methods within these software packages. This is particularly true for SPM where - noting the scale of the y-axis – the </a:t>
+              </a:r>
+              <a:r>
+                <a:rPr lang="en-GB" sz="1000" dirty="0" err="1">
+                  <a:effectLst/>
+                  <a:latin typeface="Arial"/>
+                  <a:ea typeface="ＭＳ 明朝"/>
+                  <a:cs typeface="Times New Roman"/>
+                </a:rPr>
+                <a:t>unthresholded</a:t>
+              </a:r>
+              <a:r>
+                <a:rPr lang="en-GB" sz="1000" dirty="0">
+                  <a:effectLst/>
+                  <a:latin typeface="Arial"/>
+                  <a:ea typeface="ＭＳ 明朝"/>
+                  <a:cs typeface="Times New Roman"/>
+                </a:rPr>
+                <a:t> T-statistic images obtained for both inference methods were identical up to numerical error, which scaled in accordance with the absolute size of the activation. The clouds of densities seen in the two FSL plots suggest much greater incoherence between the inference methods within this package.   </a:t>
+              </a:r>
+              <a:endParaRPr lang="en-GB" sz="1200" dirty="0">
+                <a:effectLst/>
+                <a:ea typeface="ＭＳ 明朝"/>
+                <a:cs typeface="Times New Roman"/>
+              </a:endParaRPr>
+            </a:p>
+            <a:p>
+              <a:pPr>
+                <a:spcAft>
+                  <a:spcPts val="0"/>
+                </a:spcAft>
+              </a:pPr>
+              <a:r>
+                <a:rPr lang="en-GB" sz="1200" dirty="0">
+                  <a:effectLst/>
+                  <a:ea typeface="ＭＳ 明朝"/>
+                  <a:cs typeface="Times New Roman"/>
+                </a:rPr>
+                <a:t> </a:t>
+              </a:r>
+            </a:p>
+          </p:txBody>
+        </p:sp>
+        <p:pic>
+          <p:nvPicPr>
+            <p:cNvPr id="5" name="Picture 4" descr="Macintosh HD:Users:maullz:Desktop:Software_Comparison:figures:figures:Slide22.png"/>
+            <p:cNvPicPr/>
+            <p:nvPr/>
+          </p:nvPicPr>
+          <p:blipFill>
+            <a:blip r:embed="rId2">
+              <a:extLst>
+                <a:ext uri="{28A0092B-C50C-407E-A947-70E740481C1C}">
+                  <a14:useLocalDpi xmlns:a14="http://schemas.microsoft.com/office/drawing/2010/main" val="0"/>
+                </a:ext>
+              </a:extLst>
+            </a:blip>
+            <a:srcRect/>
+            <a:stretch>
+              <a:fillRect/>
+            </a:stretch>
+          </p:blipFill>
+          <p:spPr bwMode="auto">
+            <a:xfrm>
+              <a:off x="792798" y="438150"/>
+              <a:ext cx="5272405" cy="7470140"/>
+            </a:xfrm>
+            <a:prstGeom prst="rect">
+              <a:avLst/>
+            </a:prstGeom>
             <a:noFill/>
-          </a:ln>
-        </p:spPr>
-      </p:pic>
+            <a:ln>
+              <a:noFill/>
+            </a:ln>
+          </p:spPr>
+        </p:pic>
+      </p:grpSp>
     </p:spTree>
     <p:extLst>
       <p:ext uri="{BB962C8B-B14F-4D97-AF65-F5344CB8AC3E}">

--- a/figures/publication-figures-portrait.pptx
+++ b/figures/publication-figures-portrait.pptx
@@ -4,12 +4,17 @@
   <p:sldMasterIdLst>
     <p:sldMasterId id="2147483648" r:id="rId1"/>
   </p:sldMasterIdLst>
+  <p:notesMasterIdLst>
+    <p:notesMasterId r:id="rId9"/>
+  </p:notesMasterIdLst>
   <p:sldIdLst>
-    <p:sldId id="256" r:id="rId2"/>
-    <p:sldId id="257" r:id="rId3"/>
-    <p:sldId id="258" r:id="rId4"/>
-    <p:sldId id="259" r:id="rId5"/>
-    <p:sldId id="260" r:id="rId6"/>
+    <p:sldId id="261" r:id="rId2"/>
+    <p:sldId id="262" r:id="rId3"/>
+    <p:sldId id="256" r:id="rId4"/>
+    <p:sldId id="257" r:id="rId5"/>
+    <p:sldId id="258" r:id="rId6"/>
+    <p:sldId id="259" r:id="rId7"/>
+    <p:sldId id="260" r:id="rId8"/>
   </p:sldIdLst>
   <p:sldSz cx="6858000" cy="9906000" type="A4"/>
   <p:notesSz cx="6858000" cy="9144000"/>
@@ -111,6 +116,440 @@
 </p:presentation>
 </file>
 
+<file path=ppt/notesMasters/notesMaster1.xml><?xml version="1.0" encoding="utf-8"?>
+<p:notesMaster xmlns:a="http://schemas.openxmlformats.org/drawingml/2006/main" xmlns:r="http://schemas.openxmlformats.org/officeDocument/2006/relationships" xmlns:p="http://schemas.openxmlformats.org/presentationml/2006/main">
+  <p:cSld>
+    <p:bg>
+      <p:bgRef idx="1001">
+        <a:schemeClr val="bg1"/>
+      </p:bgRef>
+    </p:bg>
+    <p:spTree>
+      <p:nvGrpSpPr>
+        <p:cNvPr id="1" name=""/>
+        <p:cNvGrpSpPr/>
+        <p:nvPr/>
+      </p:nvGrpSpPr>
+      <p:grpSpPr>
+        <a:xfrm>
+          <a:off x="0" y="0"/>
+          <a:ext cx="0" cy="0"/>
+          <a:chOff x="0" y="0"/>
+          <a:chExt cx="0" cy="0"/>
+        </a:xfrm>
+      </p:grpSpPr>
+      <p:sp>
+        <p:nvSpPr>
+          <p:cNvPr id="2" name="Header Placeholder 1"/>
+          <p:cNvSpPr>
+            <a:spLocks noGrp="1"/>
+          </p:cNvSpPr>
+          <p:nvPr>
+            <p:ph type="hdr" sz="quarter"/>
+          </p:nvPr>
+        </p:nvSpPr>
+        <p:spPr>
+          <a:xfrm>
+            <a:off x="0" y="0"/>
+            <a:ext cx="2971800" cy="457200"/>
+          </a:xfrm>
+          <a:prstGeom prst="rect">
+            <a:avLst/>
+          </a:prstGeom>
+        </p:spPr>
+        <p:txBody>
+          <a:bodyPr vert="horz" lIns="91440" tIns="45720" rIns="91440" bIns="45720" rtlCol="0"/>
+          <a:lstStyle>
+            <a:lvl1pPr algn="l">
+              <a:defRPr sz="1200"/>
+            </a:lvl1pPr>
+          </a:lstStyle>
+          <a:p>
+            <a:endParaRPr lang="en-US"/>
+          </a:p>
+        </p:txBody>
+      </p:sp>
+      <p:sp>
+        <p:nvSpPr>
+          <p:cNvPr id="3" name="Date Placeholder 2"/>
+          <p:cNvSpPr>
+            <a:spLocks noGrp="1"/>
+          </p:cNvSpPr>
+          <p:nvPr>
+            <p:ph type="dt" idx="1"/>
+          </p:nvPr>
+        </p:nvSpPr>
+        <p:spPr>
+          <a:xfrm>
+            <a:off x="3884613" y="0"/>
+            <a:ext cx="2971800" cy="457200"/>
+          </a:xfrm>
+          <a:prstGeom prst="rect">
+            <a:avLst/>
+          </a:prstGeom>
+        </p:spPr>
+        <p:txBody>
+          <a:bodyPr vert="horz" lIns="91440" tIns="45720" rIns="91440" bIns="45720" rtlCol="0"/>
+          <a:lstStyle>
+            <a:lvl1pPr algn="r">
+              <a:defRPr sz="1200"/>
+            </a:lvl1pPr>
+          </a:lstStyle>
+          <a:p>
+            <a:fld id="{A04EA833-4D05-B542-8BC3-FCB39FB6EF22}" type="datetimeFigureOut">
+              <a:rPr lang="en-US" smtClean="0"/>
+              <a:t>14/03/18</a:t>
+            </a:fld>
+            <a:endParaRPr lang="en-US"/>
+          </a:p>
+        </p:txBody>
+      </p:sp>
+      <p:sp>
+        <p:nvSpPr>
+          <p:cNvPr id="4" name="Slide Image Placeholder 3"/>
+          <p:cNvSpPr>
+            <a:spLocks noGrp="1" noRot="1" noChangeAspect="1"/>
+          </p:cNvSpPr>
+          <p:nvPr>
+            <p:ph type="sldImg" idx="2"/>
+          </p:nvPr>
+        </p:nvSpPr>
+        <p:spPr>
+          <a:xfrm>
+            <a:off x="2241550" y="685800"/>
+            <a:ext cx="2374900" cy="3429000"/>
+          </a:xfrm>
+          <a:prstGeom prst="rect">
+            <a:avLst/>
+          </a:prstGeom>
+          <a:noFill/>
+          <a:ln w="12700">
+            <a:solidFill>
+              <a:prstClr val="black"/>
+            </a:solidFill>
+          </a:ln>
+        </p:spPr>
+        <p:txBody>
+          <a:bodyPr vert="horz" lIns="91440" tIns="45720" rIns="91440" bIns="45720" rtlCol="0" anchor="ctr"/>
+          <a:lstStyle/>
+          <a:p>
+            <a:endParaRPr lang="en-US"/>
+          </a:p>
+        </p:txBody>
+      </p:sp>
+      <p:sp>
+        <p:nvSpPr>
+          <p:cNvPr id="5" name="Notes Placeholder 4"/>
+          <p:cNvSpPr>
+            <a:spLocks noGrp="1"/>
+          </p:cNvSpPr>
+          <p:nvPr>
+            <p:ph type="body" sz="quarter" idx="3"/>
+          </p:nvPr>
+        </p:nvSpPr>
+        <p:spPr>
+          <a:xfrm>
+            <a:off x="685800" y="4343400"/>
+            <a:ext cx="5486400" cy="4114800"/>
+          </a:xfrm>
+          <a:prstGeom prst="rect">
+            <a:avLst/>
+          </a:prstGeom>
+        </p:spPr>
+        <p:txBody>
+          <a:bodyPr vert="horz" lIns="91440" tIns="45720" rIns="91440" bIns="45720" rtlCol="0"/>
+          <a:lstStyle/>
+          <a:p>
+            <a:pPr lvl="0"/>
+            <a:r>
+              <a:rPr lang="en-GB" smtClean="0"/>
+              <a:t>Click to edit Master text styles</a:t>
+            </a:r>
+          </a:p>
+          <a:p>
+            <a:pPr lvl="1"/>
+            <a:r>
+              <a:rPr lang="en-GB" smtClean="0"/>
+              <a:t>Second level</a:t>
+            </a:r>
+          </a:p>
+          <a:p>
+            <a:pPr lvl="2"/>
+            <a:r>
+              <a:rPr lang="en-GB" smtClean="0"/>
+              <a:t>Third level</a:t>
+            </a:r>
+          </a:p>
+          <a:p>
+            <a:pPr lvl="3"/>
+            <a:r>
+              <a:rPr lang="en-GB" smtClean="0"/>
+              <a:t>Fourth level</a:t>
+            </a:r>
+          </a:p>
+          <a:p>
+            <a:pPr lvl="4"/>
+            <a:r>
+              <a:rPr lang="en-GB" smtClean="0"/>
+              <a:t>Fifth level</a:t>
+            </a:r>
+            <a:endParaRPr lang="en-US"/>
+          </a:p>
+        </p:txBody>
+      </p:sp>
+      <p:sp>
+        <p:nvSpPr>
+          <p:cNvPr id="6" name="Footer Placeholder 5"/>
+          <p:cNvSpPr>
+            <a:spLocks noGrp="1"/>
+          </p:cNvSpPr>
+          <p:nvPr>
+            <p:ph type="ftr" sz="quarter" idx="4"/>
+          </p:nvPr>
+        </p:nvSpPr>
+        <p:spPr>
+          <a:xfrm>
+            <a:off x="0" y="8685213"/>
+            <a:ext cx="2971800" cy="457200"/>
+          </a:xfrm>
+          <a:prstGeom prst="rect">
+            <a:avLst/>
+          </a:prstGeom>
+        </p:spPr>
+        <p:txBody>
+          <a:bodyPr vert="horz" lIns="91440" tIns="45720" rIns="91440" bIns="45720" rtlCol="0" anchor="b"/>
+          <a:lstStyle>
+            <a:lvl1pPr algn="l">
+              <a:defRPr sz="1200"/>
+            </a:lvl1pPr>
+          </a:lstStyle>
+          <a:p>
+            <a:endParaRPr lang="en-US"/>
+          </a:p>
+        </p:txBody>
+      </p:sp>
+      <p:sp>
+        <p:nvSpPr>
+          <p:cNvPr id="7" name="Slide Number Placeholder 6"/>
+          <p:cNvSpPr>
+            <a:spLocks noGrp="1"/>
+          </p:cNvSpPr>
+          <p:nvPr>
+            <p:ph type="sldNum" sz="quarter" idx="5"/>
+          </p:nvPr>
+        </p:nvSpPr>
+        <p:spPr>
+          <a:xfrm>
+            <a:off x="3884613" y="8685213"/>
+            <a:ext cx="2971800" cy="457200"/>
+          </a:xfrm>
+          <a:prstGeom prst="rect">
+            <a:avLst/>
+          </a:prstGeom>
+        </p:spPr>
+        <p:txBody>
+          <a:bodyPr vert="horz" lIns="91440" tIns="45720" rIns="91440" bIns="45720" rtlCol="0" anchor="b"/>
+          <a:lstStyle>
+            <a:lvl1pPr algn="r">
+              <a:defRPr sz="1200"/>
+            </a:lvl1pPr>
+          </a:lstStyle>
+          <a:p>
+            <a:fld id="{F6B0888D-6A93-794F-A91C-5D961FE825AB}" type="slidenum">
+              <a:rPr lang="en-US" smtClean="0"/>
+              <a:t>‹#›</a:t>
+            </a:fld>
+            <a:endParaRPr lang="en-US"/>
+          </a:p>
+        </p:txBody>
+      </p:sp>
+    </p:spTree>
+    <p:extLst>
+      <p:ext uri="{BB962C8B-B14F-4D97-AF65-F5344CB8AC3E}">
+        <p14:creationId xmlns:p14="http://schemas.microsoft.com/office/powerpoint/2010/main" val="660262160"/>
+      </p:ext>
+    </p:extLst>
+  </p:cSld>
+  <p:clrMap bg1="lt1" tx1="dk1" bg2="lt2" tx2="dk2" accent1="accent1" accent2="accent2" accent3="accent3" accent4="accent4" accent5="accent5" accent6="accent6" hlink="hlink" folHlink="folHlink"/>
+  <p:notesStyle>
+    <a:lvl1pPr marL="0" algn="l" defTabSz="457200" rtl="0" eaLnBrk="1" latinLnBrk="0" hangingPunct="1">
+      <a:defRPr sz="1200" kern="1200">
+        <a:solidFill>
+          <a:schemeClr val="tx1"/>
+        </a:solidFill>
+        <a:latin typeface="+mn-lt"/>
+        <a:ea typeface="+mn-ea"/>
+        <a:cs typeface="+mn-cs"/>
+      </a:defRPr>
+    </a:lvl1pPr>
+    <a:lvl2pPr marL="457200" algn="l" defTabSz="457200" rtl="0" eaLnBrk="1" latinLnBrk="0" hangingPunct="1">
+      <a:defRPr sz="1200" kern="1200">
+        <a:solidFill>
+          <a:schemeClr val="tx1"/>
+        </a:solidFill>
+        <a:latin typeface="+mn-lt"/>
+        <a:ea typeface="+mn-ea"/>
+        <a:cs typeface="+mn-cs"/>
+      </a:defRPr>
+    </a:lvl2pPr>
+    <a:lvl3pPr marL="914400" algn="l" defTabSz="457200" rtl="0" eaLnBrk="1" latinLnBrk="0" hangingPunct="1">
+      <a:defRPr sz="1200" kern="1200">
+        <a:solidFill>
+          <a:schemeClr val="tx1"/>
+        </a:solidFill>
+        <a:latin typeface="+mn-lt"/>
+        <a:ea typeface="+mn-ea"/>
+        <a:cs typeface="+mn-cs"/>
+      </a:defRPr>
+    </a:lvl3pPr>
+    <a:lvl4pPr marL="1371600" algn="l" defTabSz="457200" rtl="0" eaLnBrk="1" latinLnBrk="0" hangingPunct="1">
+      <a:defRPr sz="1200" kern="1200">
+        <a:solidFill>
+          <a:schemeClr val="tx1"/>
+        </a:solidFill>
+        <a:latin typeface="+mn-lt"/>
+        <a:ea typeface="+mn-ea"/>
+        <a:cs typeface="+mn-cs"/>
+      </a:defRPr>
+    </a:lvl4pPr>
+    <a:lvl5pPr marL="1828800" algn="l" defTabSz="457200" rtl="0" eaLnBrk="1" latinLnBrk="0" hangingPunct="1">
+      <a:defRPr sz="1200" kern="1200">
+        <a:solidFill>
+          <a:schemeClr val="tx1"/>
+        </a:solidFill>
+        <a:latin typeface="+mn-lt"/>
+        <a:ea typeface="+mn-ea"/>
+        <a:cs typeface="+mn-cs"/>
+      </a:defRPr>
+    </a:lvl5pPr>
+    <a:lvl6pPr marL="2286000" algn="l" defTabSz="457200" rtl="0" eaLnBrk="1" latinLnBrk="0" hangingPunct="1">
+      <a:defRPr sz="1200" kern="1200">
+        <a:solidFill>
+          <a:schemeClr val="tx1"/>
+        </a:solidFill>
+        <a:latin typeface="+mn-lt"/>
+        <a:ea typeface="+mn-ea"/>
+        <a:cs typeface="+mn-cs"/>
+      </a:defRPr>
+    </a:lvl6pPr>
+    <a:lvl7pPr marL="2743200" algn="l" defTabSz="457200" rtl="0" eaLnBrk="1" latinLnBrk="0" hangingPunct="1">
+      <a:defRPr sz="1200" kern="1200">
+        <a:solidFill>
+          <a:schemeClr val="tx1"/>
+        </a:solidFill>
+        <a:latin typeface="+mn-lt"/>
+        <a:ea typeface="+mn-ea"/>
+        <a:cs typeface="+mn-cs"/>
+      </a:defRPr>
+    </a:lvl7pPr>
+    <a:lvl8pPr marL="3200400" algn="l" defTabSz="457200" rtl="0" eaLnBrk="1" latinLnBrk="0" hangingPunct="1">
+      <a:defRPr sz="1200" kern="1200">
+        <a:solidFill>
+          <a:schemeClr val="tx1"/>
+        </a:solidFill>
+        <a:latin typeface="+mn-lt"/>
+        <a:ea typeface="+mn-ea"/>
+        <a:cs typeface="+mn-cs"/>
+      </a:defRPr>
+    </a:lvl8pPr>
+    <a:lvl9pPr marL="3657600" algn="l" defTabSz="457200" rtl="0" eaLnBrk="1" latinLnBrk="0" hangingPunct="1">
+      <a:defRPr sz="1200" kern="1200">
+        <a:solidFill>
+          <a:schemeClr val="tx1"/>
+        </a:solidFill>
+        <a:latin typeface="+mn-lt"/>
+        <a:ea typeface="+mn-ea"/>
+        <a:cs typeface="+mn-cs"/>
+      </a:defRPr>
+    </a:lvl9pPr>
+  </p:notesStyle>
+</p:notesMaster>
+</file>
+
+<file path=ppt/notesSlides/notesSlide1.xml><?xml version="1.0" encoding="utf-8"?>
+<p:notes xmlns:a="http://schemas.openxmlformats.org/drawingml/2006/main" xmlns:r="http://schemas.openxmlformats.org/officeDocument/2006/relationships" xmlns:p="http://schemas.openxmlformats.org/presentationml/2006/main">
+  <p:cSld>
+    <p:spTree>
+      <p:nvGrpSpPr>
+        <p:cNvPr id="1" name=""/>
+        <p:cNvGrpSpPr/>
+        <p:nvPr/>
+      </p:nvGrpSpPr>
+      <p:grpSpPr>
+        <a:xfrm>
+          <a:off x="0" y="0"/>
+          <a:ext cx="0" cy="0"/>
+          <a:chOff x="0" y="0"/>
+          <a:chExt cx="0" cy="0"/>
+        </a:xfrm>
+      </p:grpSpPr>
+      <p:sp>
+        <p:nvSpPr>
+          <p:cNvPr id="2" name="Slide Image Placeholder 1"/>
+          <p:cNvSpPr>
+            <a:spLocks noGrp="1" noRot="1" noChangeAspect="1"/>
+          </p:cNvSpPr>
+          <p:nvPr>
+            <p:ph type="sldImg"/>
+          </p:nvPr>
+        </p:nvSpPr>
+        <p:spPr/>
+      </p:sp>
+      <p:sp>
+        <p:nvSpPr>
+          <p:cNvPr id="3" name="Notes Placeholder 2"/>
+          <p:cNvSpPr>
+            <a:spLocks noGrp="1"/>
+          </p:cNvSpPr>
+          <p:nvPr>
+            <p:ph type="body" idx="1"/>
+          </p:nvPr>
+        </p:nvSpPr>
+        <p:spPr/>
+        <p:txBody>
+          <a:bodyPr/>
+          <a:lstStyle/>
+          <a:p>
+            <a:endParaRPr lang="en-US" dirty="0"/>
+          </a:p>
+        </p:txBody>
+      </p:sp>
+      <p:sp>
+        <p:nvSpPr>
+          <p:cNvPr id="4" name="Slide Number Placeholder 3"/>
+          <p:cNvSpPr>
+            <a:spLocks noGrp="1"/>
+          </p:cNvSpPr>
+          <p:nvPr>
+            <p:ph type="sldNum" sz="quarter" idx="10"/>
+          </p:nvPr>
+        </p:nvSpPr>
+        <p:spPr/>
+        <p:txBody>
+          <a:bodyPr/>
+          <a:lstStyle/>
+          <a:p>
+            <a:fld id="{F6B0888D-6A93-794F-A91C-5D961FE825AB}" type="slidenum">
+              <a:rPr lang="en-US" smtClean="0"/>
+              <a:t>2</a:t>
+            </a:fld>
+            <a:endParaRPr lang="en-US"/>
+          </a:p>
+        </p:txBody>
+      </p:sp>
+    </p:spTree>
+    <p:extLst>
+      <p:ext uri="{BB962C8B-B14F-4D97-AF65-F5344CB8AC3E}">
+        <p14:creationId xmlns:p14="http://schemas.microsoft.com/office/powerpoint/2010/main" val="283152454"/>
+      </p:ext>
+    </p:extLst>
+  </p:cSld>
+  <p:clrMapOvr>
+    <a:masterClrMapping/>
+  </p:clrMapOvr>
+</p:notes>
+</file>
+
 <file path=ppt/slideLayouts/slideLayout1.xml><?xml version="1.0" encoding="utf-8"?>
 <p:sldLayout xmlns:a="http://schemas.openxmlformats.org/drawingml/2006/main" xmlns:r="http://schemas.openxmlformats.org/officeDocument/2006/relationships" xmlns:p="http://schemas.openxmlformats.org/presentationml/2006/main" type="title" preserve="1">
   <p:cSld name="Title Slide">
@@ -292,7 +731,7 @@
           <a:p>
             <a:fld id="{AFA4330F-5133-EB4F-9107-502F6744FC72}" type="datetimeFigureOut">
               <a:rPr lang="en-US" smtClean="0"/>
-              <a:t>07/03/18</a:t>
+              <a:t>14/03/18</a:t>
             </a:fld>
             <a:endParaRPr lang="en-US"/>
           </a:p>
@@ -462,7 +901,7 @@
           <a:p>
             <a:fld id="{AFA4330F-5133-EB4F-9107-502F6744FC72}" type="datetimeFigureOut">
               <a:rPr lang="en-US" smtClean="0"/>
-              <a:t>07/03/18</a:t>
+              <a:t>14/03/18</a:t>
             </a:fld>
             <a:endParaRPr lang="en-US"/>
           </a:p>
@@ -642,7 +1081,7 @@
           <a:p>
             <a:fld id="{AFA4330F-5133-EB4F-9107-502F6744FC72}" type="datetimeFigureOut">
               <a:rPr lang="en-US" smtClean="0"/>
-              <a:t>07/03/18</a:t>
+              <a:t>14/03/18</a:t>
             </a:fld>
             <a:endParaRPr lang="en-US"/>
           </a:p>
@@ -812,7 +1251,7 @@
           <a:p>
             <a:fld id="{AFA4330F-5133-EB4F-9107-502F6744FC72}" type="datetimeFigureOut">
               <a:rPr lang="en-US" smtClean="0"/>
-              <a:t>07/03/18</a:t>
+              <a:t>14/03/18</a:t>
             </a:fld>
             <a:endParaRPr lang="en-US"/>
           </a:p>
@@ -1058,7 +1497,7 @@
           <a:p>
             <a:fld id="{AFA4330F-5133-EB4F-9107-502F6744FC72}" type="datetimeFigureOut">
               <a:rPr lang="en-US" smtClean="0"/>
-              <a:t>07/03/18</a:t>
+              <a:t>14/03/18</a:t>
             </a:fld>
             <a:endParaRPr lang="en-US"/>
           </a:p>
@@ -1346,7 +1785,7 @@
           <a:p>
             <a:fld id="{AFA4330F-5133-EB4F-9107-502F6744FC72}" type="datetimeFigureOut">
               <a:rPr lang="en-US" smtClean="0"/>
-              <a:t>07/03/18</a:t>
+              <a:t>14/03/18</a:t>
             </a:fld>
             <a:endParaRPr lang="en-US"/>
           </a:p>
@@ -1773,7 +2212,7 @@
           <a:p>
             <a:fld id="{AFA4330F-5133-EB4F-9107-502F6744FC72}" type="datetimeFigureOut">
               <a:rPr lang="en-US" smtClean="0"/>
-              <a:t>07/03/18</a:t>
+              <a:t>14/03/18</a:t>
             </a:fld>
             <a:endParaRPr lang="en-US"/>
           </a:p>
@@ -1891,7 +2330,7 @@
           <a:p>
             <a:fld id="{AFA4330F-5133-EB4F-9107-502F6744FC72}" type="datetimeFigureOut">
               <a:rPr lang="en-US" smtClean="0"/>
-              <a:t>07/03/18</a:t>
+              <a:t>14/03/18</a:t>
             </a:fld>
             <a:endParaRPr lang="en-US"/>
           </a:p>
@@ -1986,7 +2425,7 @@
           <a:p>
             <a:fld id="{AFA4330F-5133-EB4F-9107-502F6744FC72}" type="datetimeFigureOut">
               <a:rPr lang="en-US" smtClean="0"/>
-              <a:t>07/03/18</a:t>
+              <a:t>14/03/18</a:t>
             </a:fld>
             <a:endParaRPr lang="en-US"/>
           </a:p>
@@ -2263,7 +2702,7 @@
           <a:p>
             <a:fld id="{AFA4330F-5133-EB4F-9107-502F6744FC72}" type="datetimeFigureOut">
               <a:rPr lang="en-US" smtClean="0"/>
-              <a:t>07/03/18</a:t>
+              <a:t>14/03/18</a:t>
             </a:fld>
             <a:endParaRPr lang="en-US"/>
           </a:p>
@@ -2516,7 +2955,7 @@
           <a:p>
             <a:fld id="{AFA4330F-5133-EB4F-9107-502F6744FC72}" type="datetimeFigureOut">
               <a:rPr lang="en-US" smtClean="0"/>
-              <a:t>07/03/18</a:t>
+              <a:t>14/03/18</a:t>
             </a:fld>
             <a:endParaRPr lang="en-US"/>
           </a:p>
@@ -2729,7 +3168,7 @@
           <a:p>
             <a:fld id="{AFA4330F-5133-EB4F-9107-502F6744FC72}" type="datetimeFigureOut">
               <a:rPr lang="en-US" smtClean="0"/>
-              <a:t>07/03/18</a:t>
+              <a:t>14/03/18</a:t>
             </a:fld>
             <a:endParaRPr lang="en-US"/>
           </a:p>
@@ -3106,28 +3545,58 @@
       </p:grpSpPr>
       <p:grpSp>
         <p:nvGrpSpPr>
-          <p:cNvPr id="2" name="Group 1"/>
+          <p:cNvPr id="55" name="Group 54"/>
           <p:cNvGrpSpPr/>
           <p:nvPr/>
         </p:nvGrpSpPr>
         <p:grpSpPr>
           <a:xfrm>
-            <a:off x="792798" y="209552"/>
-            <a:ext cx="5272405" cy="9486898"/>
-            <a:chOff x="792798" y="209552"/>
-            <a:chExt cx="5272405" cy="9486898"/>
+            <a:off x="638095" y="774480"/>
+            <a:ext cx="5526050" cy="7805765"/>
+            <a:chOff x="582339" y="774480"/>
+            <a:chExt cx="5526050" cy="7805765"/>
           </a:xfrm>
         </p:grpSpPr>
+        <p:pic>
+          <p:nvPicPr>
+            <p:cNvPr id="54" name="Picture 53" descr="Screen Shot 2018-03-14 at 12.30.21.png"/>
+            <p:cNvPicPr>
+              <a:picLocks noChangeAspect="1"/>
+            </p:cNvPicPr>
+            <p:nvPr/>
+          </p:nvPicPr>
+          <p:blipFill>
+            <a:blip r:embed="rId2">
+              <a:extLst>
+                <a:ext uri="{28A0092B-C50C-407E-A947-70E740481C1C}">
+                  <a14:useLocalDpi xmlns:a14="http://schemas.microsoft.com/office/drawing/2010/main" val="0"/>
+                </a:ext>
+              </a:extLst>
+            </a:blip>
+            <a:stretch>
+              <a:fillRect/>
+            </a:stretch>
+          </p:blipFill>
+          <p:spPr>
+            <a:xfrm>
+              <a:off x="582340" y="774480"/>
+              <a:ext cx="5526049" cy="6200281"/>
+            </a:xfrm>
+            <a:prstGeom prst="rect">
+              <a:avLst/>
+            </a:prstGeom>
+          </p:spPr>
+        </p:pic>
         <p:sp>
           <p:nvSpPr>
-            <p:cNvPr id="10" name="Text Box 3"/>
+            <p:cNvPr id="52" name="Text Box 3"/>
             <p:cNvSpPr txBox="1"/>
             <p:nvPr/>
           </p:nvSpPr>
           <p:spPr>
             <a:xfrm>
-              <a:off x="792798" y="7639050"/>
-              <a:ext cx="5257800" cy="2057400"/>
+              <a:off x="582339" y="6963783"/>
+              <a:ext cx="5526049" cy="1616462"/>
             </a:xfrm>
             <a:prstGeom prst="rect">
               <a:avLst/>
@@ -3176,6 +3645,695 @@
                   <a:effectLst/>
                   <a:latin typeface="Arial"/>
                   <a:ea typeface="ＭＳ 明朝"/>
+                  <a:cs typeface="Arial"/>
+                </a:rPr>
+                <a:t>Figure </a:t>
+              </a:r>
+              <a:r>
+                <a:rPr lang="en-GB" sz="1000" u="sng" dirty="0" smtClean="0">
+                  <a:effectLst/>
+                  <a:latin typeface="Arial"/>
+                  <a:ea typeface="ＭＳ 明朝"/>
+                  <a:cs typeface="Arial"/>
+                </a:rPr>
+                <a:t>1</a:t>
+              </a:r>
+              <a:endParaRPr lang="en-GB" sz="1000" dirty="0">
+                <a:effectLst/>
+                <a:latin typeface="Arial"/>
+                <a:ea typeface="ＭＳ 明朝"/>
+                <a:cs typeface="Arial"/>
+              </a:endParaRPr>
+            </a:p>
+            <a:p>
+              <a:pPr algn="just">
+                <a:spcAft>
+                  <a:spcPts val="0"/>
+                </a:spcAft>
+              </a:pPr>
+              <a:r>
+                <a:rPr lang="en-GB" sz="1000" dirty="0" smtClean="0">
+                  <a:latin typeface="Arial"/>
+                  <a:ea typeface="ＭＳ 明朝"/>
+                  <a:cs typeface="Arial"/>
+                </a:rPr>
+                <a:t>Slice comparison of the </a:t>
+              </a:r>
+              <a:r>
+                <a:rPr lang="en-GB" sz="1000" dirty="0" err="1" smtClean="0">
+                  <a:latin typeface="Arial"/>
+                  <a:ea typeface="ＭＳ 明朝"/>
+                  <a:cs typeface="Arial"/>
+                </a:rPr>
+                <a:t>thresholded</a:t>
+              </a:r>
+              <a:r>
+                <a:rPr lang="en-GB" sz="1000" dirty="0" smtClean="0">
+                  <a:latin typeface="Arial"/>
+                  <a:ea typeface="ＭＳ 明朝"/>
+                  <a:cs typeface="Arial"/>
+                </a:rPr>
+                <a:t> </a:t>
+              </a:r>
+              <a:r>
+                <a:rPr lang="en-GB" sz="1000" dirty="0" err="1" smtClean="0">
+                  <a:latin typeface="Arial"/>
+                  <a:ea typeface="ＭＳ 明朝"/>
+                  <a:cs typeface="Arial"/>
+                </a:rPr>
+                <a:t>statisic</a:t>
+              </a:r>
+              <a:r>
+                <a:rPr lang="en-GB" sz="1000" dirty="0" smtClean="0">
+                  <a:latin typeface="Arial"/>
+                  <a:ea typeface="ＭＳ 明朝"/>
+                  <a:cs typeface="Arial"/>
+                </a:rPr>
+                <a:t> </a:t>
+              </a:r>
+              <a:r>
+                <a:rPr lang="en-GB" sz="1000" dirty="0" smtClean="0">
+                  <a:latin typeface="Arial"/>
+                  <a:ea typeface="ＭＳ 明朝"/>
+                  <a:cs typeface="Arial"/>
+                </a:rPr>
+                <a:t>maps from our reanalysis with the main figures from each of the three publications. Left: </a:t>
+              </a:r>
+              <a:r>
+                <a:rPr lang="en-GB" sz="1000" dirty="0" err="1" smtClean="0">
+                  <a:latin typeface="Arial"/>
+                  <a:ea typeface="ＭＳ 明朝"/>
+                  <a:cs typeface="Arial"/>
+                </a:rPr>
+                <a:t>thresholded</a:t>
+              </a:r>
+              <a:r>
+                <a:rPr lang="en-GB" sz="1000" dirty="0" smtClean="0">
+                  <a:latin typeface="Arial"/>
+                  <a:ea typeface="ＭＳ 明朝"/>
+                  <a:cs typeface="Arial"/>
+                </a:rPr>
+                <a:t> T-statistic images contrasting the parametric modulation of pumps of reward balloons versus the parametric modulation of the control balloon; beneath, a sagittal slice taken from Figure 3 in the </a:t>
+              </a:r>
+              <a:r>
+                <a:rPr lang="en-GB" sz="1000" i="1" dirty="0" smtClean="0">
+                  <a:latin typeface="Arial"/>
+                  <a:ea typeface="ＭＳ 明朝"/>
+                  <a:cs typeface="Arial"/>
+                </a:rPr>
+                <a:t>Schonberg et al. </a:t>
+              </a:r>
+              <a:r>
+                <a:rPr lang="en-GB" sz="1000" dirty="0" smtClean="0">
+                  <a:latin typeface="Arial"/>
+                  <a:ea typeface="ＭＳ 明朝"/>
+                  <a:cs typeface="Arial"/>
+                </a:rPr>
+                <a:t>publication corresponding to the ds000001 dataset. Middle: </a:t>
+              </a:r>
+              <a:r>
+                <a:rPr lang="en-GB" sz="1000" dirty="0" err="1" smtClean="0">
+                  <a:latin typeface="Arial"/>
+                  <a:ea typeface="ＭＳ 明朝"/>
+                  <a:cs typeface="Arial"/>
+                </a:rPr>
+                <a:t>thresholded</a:t>
+              </a:r>
+              <a:r>
+                <a:rPr lang="en-GB" sz="1000" dirty="0" smtClean="0">
+                  <a:latin typeface="Arial"/>
+                  <a:ea typeface="ＭＳ 明朝"/>
+                  <a:cs typeface="Arial"/>
+                </a:rPr>
+                <a:t> T-statistic maps of the false belief </a:t>
+              </a:r>
+              <a:r>
+                <a:rPr lang="en-GB" sz="1000" dirty="0" err="1" smtClean="0">
+                  <a:latin typeface="Arial"/>
+                  <a:ea typeface="ＭＳ 明朝"/>
+                  <a:cs typeface="Arial"/>
+                </a:rPr>
+                <a:t>vs</a:t>
+              </a:r>
+              <a:r>
+                <a:rPr lang="en-GB" sz="1000" dirty="0" smtClean="0">
+                  <a:latin typeface="Arial"/>
+                  <a:ea typeface="ＭＳ 明朝"/>
+                  <a:cs typeface="Arial"/>
+                </a:rPr>
+                <a:t> false photo contrast; beneath, a </a:t>
+              </a:r>
+              <a:r>
+                <a:rPr lang="en-GB" sz="1000" dirty="0" err="1" smtClean="0">
+                  <a:latin typeface="Arial"/>
+                  <a:ea typeface="ＭＳ 明朝"/>
+                  <a:cs typeface="Arial"/>
+                </a:rPr>
+                <a:t>midsagittal</a:t>
+              </a:r>
+              <a:r>
+                <a:rPr lang="en-GB" sz="1000" dirty="0" smtClean="0">
+                  <a:latin typeface="Arial"/>
+                  <a:ea typeface="ＭＳ 明朝"/>
+                  <a:cs typeface="Arial"/>
+                </a:rPr>
+                <a:t> render from Figure 1 in the </a:t>
+              </a:r>
+              <a:r>
+                <a:rPr lang="en-GB" sz="1000" i="1" dirty="0" smtClean="0">
+                  <a:latin typeface="Arial"/>
+                  <a:ea typeface="ＭＳ 明朝"/>
+                  <a:cs typeface="Arial"/>
+                </a:rPr>
+                <a:t>Moran et al.</a:t>
+              </a:r>
+              <a:r>
+                <a:rPr lang="en-GB" sz="1000" dirty="0" smtClean="0">
+                  <a:latin typeface="Arial"/>
+                  <a:ea typeface="ＭＳ 明朝"/>
+                  <a:cs typeface="Arial"/>
+                </a:rPr>
+                <a:t> publication corresponding the ds000109 dataset. Right: </a:t>
+              </a:r>
+              <a:r>
+                <a:rPr lang="en-GB" sz="1000" dirty="0" err="1" smtClean="0">
+                  <a:latin typeface="Arial"/>
+                  <a:ea typeface="ＭＳ 明朝"/>
+                  <a:cs typeface="Arial"/>
+                </a:rPr>
+                <a:t>thresholded</a:t>
+              </a:r>
+              <a:r>
+                <a:rPr lang="en-GB" sz="1000" dirty="0" smtClean="0">
+                  <a:latin typeface="Arial"/>
+                  <a:ea typeface="ＭＳ 明朝"/>
+                  <a:cs typeface="Arial"/>
+                </a:rPr>
+                <a:t> F-</a:t>
+              </a:r>
+              <a:r>
+                <a:rPr lang="en-GB" sz="1000" dirty="0" err="1" smtClean="0">
+                  <a:latin typeface="Arial"/>
+                  <a:ea typeface="ＭＳ 明朝"/>
+                  <a:cs typeface="Arial"/>
+                </a:rPr>
+                <a:t>statisic</a:t>
+              </a:r>
+              <a:r>
+                <a:rPr lang="en-GB" sz="1000" dirty="0" smtClean="0">
+                  <a:latin typeface="Arial"/>
+                  <a:ea typeface="ＭＳ 明朝"/>
+                  <a:cs typeface="Arial"/>
+                </a:rPr>
+                <a:t> images of the main effect of time contrast; beneath, a </a:t>
+              </a:r>
+              <a:r>
+                <a:rPr lang="en-GB" sz="1000" dirty="0" err="1" smtClean="0">
+                  <a:latin typeface="Arial"/>
+                  <a:ea typeface="ＭＳ 明朝"/>
+                  <a:cs typeface="Arial"/>
+                </a:rPr>
+                <a:t>midsagittal</a:t>
+              </a:r>
+              <a:r>
+                <a:rPr lang="en-GB" sz="1000" dirty="0" smtClean="0">
+                  <a:latin typeface="Arial"/>
+                  <a:ea typeface="ＭＳ 明朝"/>
+                  <a:cs typeface="Arial"/>
+                </a:rPr>
+                <a:t> render from  Figure 3 in the </a:t>
+              </a:r>
+              <a:r>
+                <a:rPr lang="en-GB" sz="1000" i="1" dirty="0" err="1" smtClean="0">
+                  <a:latin typeface="Arial"/>
+                  <a:ea typeface="ＭＳ 明朝"/>
+                  <a:cs typeface="Arial"/>
+                </a:rPr>
+                <a:t>Padmanabhan</a:t>
+              </a:r>
+              <a:r>
+                <a:rPr lang="en-GB" sz="1000" i="1" dirty="0" smtClean="0">
+                  <a:latin typeface="Arial"/>
+                  <a:ea typeface="ＭＳ 明朝"/>
+                  <a:cs typeface="Arial"/>
+                </a:rPr>
+                <a:t> et al. </a:t>
+              </a:r>
+              <a:r>
+                <a:rPr lang="en-GB" sz="1000" dirty="0" smtClean="0">
+                  <a:latin typeface="Arial"/>
+                  <a:ea typeface="ＭＳ 明朝"/>
+                  <a:cs typeface="Arial"/>
+                </a:rPr>
+                <a:t>publication corresponding to the ds000120 dataset.</a:t>
+              </a:r>
+              <a:endParaRPr lang="en-GB" sz="1000" dirty="0">
+                <a:effectLst/>
+                <a:latin typeface="Arial"/>
+                <a:ea typeface="ＭＳ 明朝"/>
+                <a:cs typeface="Arial"/>
+              </a:endParaRPr>
+            </a:p>
+          </p:txBody>
+        </p:sp>
+      </p:grpSp>
+    </p:spTree>
+    <p:extLst>
+      <p:ext uri="{BB962C8B-B14F-4D97-AF65-F5344CB8AC3E}">
+        <p14:creationId xmlns:p14="http://schemas.microsoft.com/office/powerpoint/2010/main" val="246228291"/>
+      </p:ext>
+    </p:extLst>
+  </p:cSld>
+  <p:clrMapOvr>
+    <a:masterClrMapping/>
+  </p:clrMapOvr>
+</p:sld>
+</file>
+
+<file path=ppt/slides/slide2.xml><?xml version="1.0" encoding="utf-8"?>
+<p:sld xmlns:a="http://schemas.openxmlformats.org/drawingml/2006/main" xmlns:r="http://schemas.openxmlformats.org/officeDocument/2006/relationships" xmlns:p="http://schemas.openxmlformats.org/presentationml/2006/main">
+  <p:cSld>
+    <p:spTree>
+      <p:nvGrpSpPr>
+        <p:cNvPr id="1" name=""/>
+        <p:cNvGrpSpPr/>
+        <p:nvPr/>
+      </p:nvGrpSpPr>
+      <p:grpSpPr>
+        <a:xfrm>
+          <a:off x="0" y="0"/>
+          <a:ext cx="0" cy="0"/>
+          <a:chOff x="0" y="0"/>
+          <a:chExt cx="0" cy="0"/>
+        </a:xfrm>
+      </p:grpSpPr>
+      <p:grpSp>
+        <p:nvGrpSpPr>
+          <p:cNvPr id="3" name="Group 2"/>
+          <p:cNvGrpSpPr/>
+          <p:nvPr/>
+        </p:nvGrpSpPr>
+        <p:grpSpPr>
+          <a:xfrm>
+            <a:off x="638095" y="774481"/>
+            <a:ext cx="5526049" cy="6792588"/>
+            <a:chOff x="638095" y="774481"/>
+            <a:chExt cx="5526049" cy="6792588"/>
+          </a:xfrm>
+        </p:grpSpPr>
+        <p:pic>
+          <p:nvPicPr>
+            <p:cNvPr id="7" name="Picture 6" descr="Screen Shot 2018-03-14 at 13.40.20.png"/>
+            <p:cNvPicPr>
+              <a:picLocks noChangeAspect="1"/>
+            </p:cNvPicPr>
+            <p:nvPr/>
+          </p:nvPicPr>
+          <p:blipFill>
+            <a:blip r:embed="rId3">
+              <a:extLst>
+                <a:ext uri="{28A0092B-C50C-407E-A947-70E740481C1C}">
+                  <a14:useLocalDpi xmlns:a14="http://schemas.microsoft.com/office/drawing/2010/main" val="0"/>
+                </a:ext>
+              </a:extLst>
+            </a:blip>
+            <a:stretch>
+              <a:fillRect/>
+            </a:stretch>
+          </p:blipFill>
+          <p:spPr>
+            <a:xfrm>
+              <a:off x="638095" y="774481"/>
+              <a:ext cx="5518256" cy="5687032"/>
+            </a:xfrm>
+            <a:prstGeom prst="rect">
+              <a:avLst/>
+            </a:prstGeom>
+          </p:spPr>
+        </p:pic>
+        <p:sp>
+          <p:nvSpPr>
+            <p:cNvPr id="8" name="Text Box 3"/>
+            <p:cNvSpPr txBox="1"/>
+            <p:nvPr/>
+          </p:nvSpPr>
+          <p:spPr>
+            <a:xfrm>
+              <a:off x="638095" y="6438133"/>
+              <a:ext cx="5526049" cy="1128936"/>
+            </a:xfrm>
+            <a:prstGeom prst="rect">
+              <a:avLst/>
+            </a:prstGeom>
+            <a:noFill/>
+            <a:ln>
+              <a:noFill/>
+            </a:ln>
+            <a:effectLst/>
+            <a:extLst>
+              <a:ext uri="{C572A759-6A51-4108-AA02-DFA0A04FC94B}">
+                <ma14:wrappingTextBoxFlag xmlns:ma14="http://schemas.microsoft.com/office/mac/drawingml/2011/main"/>
+              </a:ext>
+            </a:extLst>
+          </p:spPr>
+          <p:style>
+            <a:lnRef idx="0">
+              <a:schemeClr val="accent1"/>
+            </a:lnRef>
+            <a:fillRef idx="0">
+              <a:schemeClr val="accent1"/>
+            </a:fillRef>
+            <a:effectRef idx="0">
+              <a:schemeClr val="accent1"/>
+            </a:effectRef>
+            <a:fontRef idx="minor">
+              <a:schemeClr val="dk1"/>
+            </a:fontRef>
+          </p:style>
+          <p:txBody>
+            <a:bodyPr rot="0" spcFirstLastPara="0" vert="horz" wrap="square" lIns="91440" tIns="45720" rIns="91440" bIns="45720" numCol="1" spcCol="0" rtlCol="0" fromWordArt="0" anchor="t" anchorCtr="0" forceAA="0" compatLnSpc="1">
+              <a:prstTxWarp prst="textNoShape">
+                <a:avLst/>
+              </a:prstTxWarp>
+              <a:noAutofit/>
+            </a:bodyPr>
+            <a:lstStyle/>
+            <a:p>
+              <a:pPr>
+                <a:spcAft>
+                  <a:spcPts val="0"/>
+                </a:spcAft>
+              </a:pPr>
+              <a:r>
+                <a:rPr lang="en-GB" sz="1000" u="sng" dirty="0">
+                  <a:effectLst/>
+                  <a:latin typeface="Arial"/>
+                  <a:ea typeface="ＭＳ 明朝"/>
+                  <a:cs typeface="Arial"/>
+                </a:rPr>
+                <a:t>Figure </a:t>
+              </a:r>
+              <a:r>
+                <a:rPr lang="en-GB" sz="1000" u="sng" dirty="0">
+                  <a:latin typeface="Arial"/>
+                  <a:ea typeface="ＭＳ 明朝"/>
+                  <a:cs typeface="Arial"/>
+                </a:rPr>
+                <a:t>2</a:t>
+              </a:r>
+              <a:endParaRPr lang="en-GB" sz="1000" dirty="0">
+                <a:effectLst/>
+                <a:latin typeface="Arial"/>
+                <a:ea typeface="ＭＳ 明朝"/>
+                <a:cs typeface="Arial"/>
+              </a:endParaRPr>
+            </a:p>
+            <a:p>
+              <a:pPr algn="just">
+                <a:spcAft>
+                  <a:spcPts val="0"/>
+                </a:spcAft>
+              </a:pPr>
+              <a:r>
+                <a:rPr lang="en-GB" sz="1000" dirty="0" smtClean="0">
+                  <a:latin typeface="Arial"/>
+                  <a:ea typeface="ＭＳ 明朝"/>
+                  <a:cs typeface="Arial"/>
+                </a:rPr>
+                <a:t>Slice comparison of the </a:t>
+              </a:r>
+              <a:r>
+                <a:rPr lang="en-GB" sz="1000" dirty="0" err="1" smtClean="0">
+                  <a:latin typeface="Arial"/>
+                  <a:ea typeface="ＭＳ 明朝"/>
+                  <a:cs typeface="Arial"/>
+                </a:rPr>
+                <a:t>unthresholded</a:t>
+              </a:r>
+              <a:r>
+                <a:rPr lang="en-GB" sz="1000" dirty="0" smtClean="0">
+                  <a:latin typeface="Arial"/>
+                  <a:ea typeface="ＭＳ 明朝"/>
+                  <a:cs typeface="Arial"/>
+                </a:rPr>
+                <a:t> </a:t>
+              </a:r>
+              <a:r>
+                <a:rPr lang="en-GB" sz="1000" dirty="0" err="1" smtClean="0">
+                  <a:latin typeface="Arial"/>
+                  <a:ea typeface="ＭＳ 明朝"/>
+                  <a:cs typeface="Arial"/>
+                </a:rPr>
+                <a:t>statisic</a:t>
+              </a:r>
+              <a:r>
+                <a:rPr lang="en-GB" sz="1000" dirty="0" smtClean="0">
+                  <a:latin typeface="Arial"/>
+                  <a:ea typeface="ＭＳ 明朝"/>
+                  <a:cs typeface="Arial"/>
+                </a:rPr>
+                <a:t> </a:t>
+              </a:r>
+              <a:r>
+                <a:rPr lang="en-GB" sz="1000" dirty="0" smtClean="0">
+                  <a:latin typeface="Arial"/>
+                  <a:ea typeface="ＭＳ 明朝"/>
+                  <a:cs typeface="Arial"/>
+                </a:rPr>
+                <a:t>maps from our reanalysis </a:t>
+              </a:r>
+              <a:r>
+                <a:rPr lang="en-GB" sz="1000" dirty="0" smtClean="0">
+                  <a:latin typeface="Arial"/>
+                  <a:ea typeface="ＭＳ 明朝"/>
+                  <a:cs typeface="Arial"/>
+                </a:rPr>
+                <a:t>of the three studies within each software package. Left: </a:t>
+              </a:r>
+              <a:r>
+                <a:rPr lang="en-GB" sz="1000" dirty="0" err="1" smtClean="0">
+                  <a:latin typeface="Arial"/>
+                  <a:ea typeface="ＭＳ 明朝"/>
+                  <a:cs typeface="Arial"/>
+                </a:rPr>
+                <a:t>u</a:t>
+              </a:r>
+              <a:r>
+                <a:rPr lang="en-GB" sz="1000" dirty="0" err="1" smtClean="0">
+                  <a:latin typeface="Arial"/>
+                  <a:ea typeface="ＭＳ 明朝"/>
+                  <a:cs typeface="Arial"/>
+                </a:rPr>
+                <a:t>nthresholded</a:t>
+              </a:r>
+              <a:r>
+                <a:rPr lang="en-GB" sz="1000" dirty="0" smtClean="0">
+                  <a:latin typeface="Arial"/>
+                  <a:ea typeface="ＭＳ 明朝"/>
+                  <a:cs typeface="Arial"/>
+                </a:rPr>
+                <a:t> T-statistic maps of </a:t>
+              </a:r>
+              <a:r>
+                <a:rPr lang="en-GB" sz="1000" dirty="0" smtClean="0">
+                  <a:latin typeface="Arial"/>
+                  <a:ea typeface="ＭＳ 明朝"/>
+                  <a:cs typeface="Arial"/>
+                </a:rPr>
+                <a:t>the </a:t>
+              </a:r>
+              <a:r>
+                <a:rPr lang="en-GB" sz="1000" dirty="0">
+                  <a:latin typeface="Arial"/>
+                  <a:ea typeface="ＭＳ 明朝"/>
+                  <a:cs typeface="Arial"/>
+                </a:rPr>
+                <a:t>parametric modulation of pumps of reward balloons versus the parametric modulation  of the control </a:t>
+              </a:r>
+              <a:r>
+                <a:rPr lang="en-GB" sz="1000" dirty="0" smtClean="0">
+                  <a:latin typeface="Arial"/>
+                  <a:ea typeface="ＭＳ 明朝"/>
+                  <a:cs typeface="Arial"/>
+                </a:rPr>
+                <a:t>balloon contrast from the ds000001 study. Middle: </a:t>
+              </a:r>
+              <a:r>
+                <a:rPr lang="en-GB" sz="1000" dirty="0" err="1" smtClean="0">
+                  <a:latin typeface="Arial"/>
+                  <a:ea typeface="ＭＳ 明朝"/>
+                  <a:cs typeface="Arial"/>
+                </a:rPr>
+                <a:t>unthresholded</a:t>
+              </a:r>
+              <a:r>
+                <a:rPr lang="en-GB" sz="1000" dirty="0" smtClean="0">
+                  <a:latin typeface="Arial"/>
+                  <a:ea typeface="ＭＳ 明朝"/>
+                  <a:cs typeface="Arial"/>
+                </a:rPr>
+                <a:t> T-statistic maps of the </a:t>
+              </a:r>
+              <a:r>
+                <a:rPr lang="en-GB" sz="1000" dirty="0">
+                  <a:latin typeface="Arial"/>
+                  <a:ea typeface="ＭＳ 明朝"/>
+                  <a:cs typeface="Arial"/>
+                </a:rPr>
+                <a:t>false belief </a:t>
+              </a:r>
+              <a:r>
+                <a:rPr lang="en-GB" sz="1000" dirty="0" err="1">
+                  <a:latin typeface="Arial"/>
+                  <a:ea typeface="ＭＳ 明朝"/>
+                  <a:cs typeface="Arial"/>
+                </a:rPr>
+                <a:t>vs</a:t>
+              </a:r>
+              <a:r>
+                <a:rPr lang="en-GB" sz="1000" dirty="0">
+                  <a:latin typeface="Arial"/>
+                  <a:ea typeface="ＭＳ 明朝"/>
+                  <a:cs typeface="Arial"/>
+                </a:rPr>
+                <a:t> false photo </a:t>
+              </a:r>
+              <a:r>
+                <a:rPr lang="en-GB" sz="1000" dirty="0" smtClean="0">
+                  <a:latin typeface="Arial"/>
+                  <a:ea typeface="ＭＳ 明朝"/>
+                  <a:cs typeface="Arial"/>
+                </a:rPr>
+                <a:t>contrast from the ds000109 study. Right: </a:t>
+              </a:r>
+              <a:r>
+                <a:rPr lang="en-GB" sz="1000" dirty="0" err="1" smtClean="0">
+                  <a:latin typeface="Arial"/>
+                  <a:ea typeface="ＭＳ 明朝"/>
+                  <a:cs typeface="Arial"/>
+                </a:rPr>
+                <a:t>unthresholded</a:t>
+              </a:r>
+              <a:r>
+                <a:rPr lang="en-GB" sz="1000" dirty="0" smtClean="0">
+                  <a:latin typeface="Arial"/>
+                  <a:ea typeface="ＭＳ 明朝"/>
+                  <a:cs typeface="Arial"/>
+                </a:rPr>
+                <a:t> F-statistic maps of the main effect of time contrast from the ds000120 study. </a:t>
+              </a:r>
+              <a:endParaRPr lang="en-GB" sz="1000" dirty="0">
+                <a:effectLst/>
+                <a:latin typeface="Arial"/>
+                <a:ea typeface="ＭＳ 明朝"/>
+                <a:cs typeface="Arial"/>
+              </a:endParaRPr>
+            </a:p>
+          </p:txBody>
+        </p:sp>
+      </p:grpSp>
+    </p:spTree>
+    <p:extLst>
+      <p:ext uri="{BB962C8B-B14F-4D97-AF65-F5344CB8AC3E}">
+        <p14:creationId xmlns:p14="http://schemas.microsoft.com/office/powerpoint/2010/main" val="3293625233"/>
+      </p:ext>
+    </p:extLst>
+  </p:cSld>
+  <p:clrMapOvr>
+    <a:masterClrMapping/>
+  </p:clrMapOvr>
+</p:sld>
+</file>
+
+<file path=ppt/slides/slide3.xml><?xml version="1.0" encoding="utf-8"?>
+<p:sld xmlns:a="http://schemas.openxmlformats.org/drawingml/2006/main" xmlns:r="http://schemas.openxmlformats.org/officeDocument/2006/relationships" xmlns:p="http://schemas.openxmlformats.org/presentationml/2006/main">
+  <p:cSld>
+    <p:spTree>
+      <p:nvGrpSpPr>
+        <p:cNvPr id="1" name=""/>
+        <p:cNvGrpSpPr/>
+        <p:nvPr/>
+      </p:nvGrpSpPr>
+      <p:grpSpPr>
+        <a:xfrm>
+          <a:off x="0" y="0"/>
+          <a:ext cx="0" cy="0"/>
+          <a:chOff x="0" y="0"/>
+          <a:chExt cx="0" cy="0"/>
+        </a:xfrm>
+      </p:grpSpPr>
+      <p:grpSp>
+        <p:nvGrpSpPr>
+          <p:cNvPr id="2" name="Group 1"/>
+          <p:cNvGrpSpPr/>
+          <p:nvPr/>
+        </p:nvGrpSpPr>
+        <p:grpSpPr>
+          <a:xfrm>
+            <a:off x="792798" y="209552"/>
+            <a:ext cx="5272405" cy="9207033"/>
+            <a:chOff x="792798" y="209552"/>
+            <a:chExt cx="5272405" cy="9207033"/>
+          </a:xfrm>
+        </p:grpSpPr>
+        <p:sp>
+          <p:nvSpPr>
+            <p:cNvPr id="10" name="Text Box 3"/>
+            <p:cNvSpPr txBox="1"/>
+            <p:nvPr/>
+          </p:nvSpPr>
+          <p:spPr>
+            <a:xfrm>
+              <a:off x="792798" y="7639050"/>
+              <a:ext cx="5257800" cy="1777535"/>
+            </a:xfrm>
+            <a:prstGeom prst="rect">
+              <a:avLst/>
+            </a:prstGeom>
+            <a:noFill/>
+            <a:ln>
+              <a:noFill/>
+            </a:ln>
+            <a:effectLst/>
+            <a:extLst>
+              <a:ext uri="{C572A759-6A51-4108-AA02-DFA0A04FC94B}">
+                <ma14:wrappingTextBoxFlag xmlns:ma14="http://schemas.microsoft.com/office/mac/drawingml/2011/main"/>
+              </a:ext>
+            </a:extLst>
+          </p:spPr>
+          <p:style>
+            <a:lnRef idx="0">
+              <a:schemeClr val="accent1"/>
+            </a:lnRef>
+            <a:fillRef idx="0">
+              <a:schemeClr val="accent1"/>
+            </a:fillRef>
+            <a:effectRef idx="0">
+              <a:schemeClr val="accent1"/>
+            </a:effectRef>
+            <a:fontRef idx="minor">
+              <a:schemeClr val="dk1"/>
+            </a:fontRef>
+          </p:style>
+          <p:txBody>
+            <a:bodyPr rot="0" spcFirstLastPara="0" vert="horz" wrap="square" lIns="91440" tIns="45720" rIns="91440" bIns="45720" numCol="1" spcCol="0" rtlCol="0" fromWordArt="0" anchor="t" anchorCtr="0" forceAA="0" compatLnSpc="1">
+              <a:prstTxWarp prst="textNoShape">
+                <a:avLst/>
+              </a:prstTxWarp>
+              <a:noAutofit/>
+            </a:bodyPr>
+            <a:lstStyle/>
+            <a:p>
+              <a:pPr>
+                <a:spcAft>
+                  <a:spcPts val="0"/>
+                </a:spcAft>
+              </a:pPr>
+              <a:r>
+                <a:rPr lang="en-GB" sz="1000" u="sng" dirty="0">
+                  <a:effectLst/>
+                  <a:latin typeface="Arial"/>
+                  <a:ea typeface="ＭＳ 明朝"/>
                   <a:cs typeface="Times New Roman"/>
                 </a:rPr>
                 <a:t>Figure 1a</a:t>
@@ -3193,51 +4351,99 @@
                 </a:spcAft>
               </a:pPr>
               <a:r>
+                <a:rPr lang="en-GB" sz="1000" dirty="0" smtClean="0">
+                  <a:effectLst/>
+                  <a:latin typeface="Arial"/>
+                  <a:ea typeface="ＭＳ 明朝"/>
+                  <a:cs typeface="Times New Roman"/>
+                </a:rPr>
+                <a:t>Bland-Altman 2D histograms comparing the </a:t>
+              </a:r>
+              <a:r>
+                <a:rPr lang="en-GB" sz="1000" dirty="0" err="1" smtClean="0">
+                  <a:effectLst/>
+                  <a:latin typeface="Arial"/>
+                  <a:ea typeface="ＭＳ 明朝"/>
+                  <a:cs typeface="Times New Roman"/>
+                </a:rPr>
+                <a:t>unthresholded</a:t>
+              </a:r>
+              <a:r>
+                <a:rPr lang="en-GB" sz="1000" dirty="0" smtClean="0">
+                  <a:effectLst/>
+                  <a:latin typeface="Arial"/>
+                  <a:ea typeface="ＭＳ 明朝"/>
+                  <a:cs typeface="Times New Roman"/>
+                </a:rPr>
+                <a:t> group-level T-statistic maps computed as part of the replication analyses of the ds000001 and ds000109 studies within AFNI, FSL and SPM. Left; Comparisons for ds000001</a:t>
+              </a:r>
+              <a:r>
                 <a:rPr lang="en-GB" sz="1000" dirty="0">
+                  <a:latin typeface="Arial"/>
+                  <a:ea typeface="ＭＳ 明朝"/>
+                  <a:cs typeface="Times New Roman"/>
+                </a:rPr>
+                <a:t>’s balloon </a:t>
+              </a:r>
+              <a:r>
+                <a:rPr lang="en-GB" sz="1000" dirty="0" err="1">
+                  <a:latin typeface="Arial"/>
+                  <a:ea typeface="ＭＳ 明朝"/>
+                  <a:cs typeface="Times New Roman"/>
+                </a:rPr>
+                <a:t>analog</a:t>
+              </a:r>
+              <a:r>
+                <a:rPr lang="en-GB" sz="1000" dirty="0">
+                  <a:latin typeface="Arial"/>
+                  <a:ea typeface="ＭＳ 明朝"/>
+                  <a:cs typeface="Times New Roman"/>
+                </a:rPr>
+                <a:t> risk </a:t>
+              </a:r>
+              <a:r>
+                <a:rPr lang="en-GB" sz="1000" dirty="0" smtClean="0">
+                  <a:latin typeface="Arial"/>
+                  <a:ea typeface="ＭＳ 明朝"/>
+                  <a:cs typeface="Times New Roman"/>
+                </a:rPr>
+                <a:t>task, </a:t>
+              </a:r>
+              <a:r>
+                <a:rPr lang="en-GB" sz="1000" dirty="0" smtClean="0">
                   <a:effectLst/>
                   <a:latin typeface="Arial"/>
                   <a:ea typeface="ＭＳ 明朝"/>
                   <a:cs typeface="Times New Roman"/>
                 </a:rPr>
-                <a:t>Bland-Altman 2D histograms comparing the </a:t>
-              </a:r>
-              <a:r>
-                <a:rPr lang="en-GB" sz="1000" dirty="0" err="1">
+                <a:t>T-statistic images contrasting the parametric modulation of pumps of the reward balloons versus parametric modulation of pumps of the control balloon. Right; Comparisons </a:t>
+              </a:r>
+              <a:r>
+                <a:rPr lang="en-GB" sz="1000" dirty="0">
+                  <a:latin typeface="Arial"/>
+                  <a:ea typeface="ＭＳ 明朝"/>
+                  <a:cs typeface="Times New Roman"/>
+                </a:rPr>
+                <a:t>for </a:t>
+              </a:r>
+              <a:r>
+                <a:rPr lang="en-GB" sz="1000" dirty="0" smtClean="0">
+                  <a:latin typeface="Arial"/>
+                  <a:ea typeface="ＭＳ 明朝"/>
+                  <a:cs typeface="Times New Roman"/>
+                </a:rPr>
+                <a:t>ds000109’s false belief task, </a:t>
+              </a:r>
+              <a:r>
+                <a:rPr lang="en-GB" sz="1000" dirty="0" smtClean="0">
                   <a:effectLst/>
                   <a:latin typeface="Arial"/>
                   <a:ea typeface="ＭＳ 明朝"/>
                   <a:cs typeface="Times New Roman"/>
                 </a:rPr>
-                <a:t>unthresholded</a:t>
-              </a:r>
-              <a:r>
-                <a:rPr lang="en-GB" sz="1000" dirty="0">
-                  <a:effectLst/>
-                  <a:latin typeface="Arial"/>
-                  <a:ea typeface="ＭＳ 明朝"/>
-                  <a:cs typeface="Times New Roman"/>
-                </a:rPr>
-                <a:t> group-level T-statistic maps computed as part of the reproduction analyses of the ds000001 and ds000109 studies within AFNI, FSL and SPM. Left; comparisons of the T-statistic images contrasting the parametric modulation of pumps of the reward balloons versus parametric modulation of pumps of the control balloon in the balloon </a:t>
-              </a:r>
-              <a:r>
-                <a:rPr lang="en-GB" sz="1000" dirty="0" err="1">
-                  <a:effectLst/>
-                  <a:latin typeface="Arial"/>
-                  <a:ea typeface="ＭＳ 明朝"/>
-                  <a:cs typeface="Times New Roman"/>
-                </a:rPr>
-                <a:t>analog</a:t>
-              </a:r>
-              <a:r>
-                <a:rPr lang="en-GB" sz="1000" dirty="0">
-                  <a:effectLst/>
-                  <a:latin typeface="Arial"/>
-                  <a:ea typeface="ＭＳ 明朝"/>
-                  <a:cs typeface="Times New Roman"/>
-                </a:rPr>
-                <a:t> risk task associated to the ds000001 study. Right; comparisons of the T-statistic images contrasting the false-belief versus false-photo activations in the false belief task associated to ds000109. </a:t>
-              </a:r>
-              <a:endParaRPr lang="en-GB" sz="1200" dirty="0">
+                <a:t>T-statistic images contrasting the false belief versus false photo conditions. </a:t>
+              </a:r>
+              <a:endParaRPr lang="en-GB" sz="1200" dirty="0" smtClean="0">
                 <a:effectLst/>
                 <a:ea typeface="ＭＳ 明朝"/>
                 <a:cs typeface="Times New Roman"/>
@@ -3250,16 +4456,16 @@
                 </a:spcAft>
               </a:pPr>
               <a:r>
-                <a:rPr lang="en-GB" sz="1000" dirty="0">
+                <a:rPr lang="en-GB" sz="1000" dirty="0" smtClean="0">
                   <a:effectLst/>
                   <a:latin typeface="Arial"/>
                   <a:ea typeface="ＭＳ 明朝"/>
                   <a:cs typeface="Times New Roman"/>
                 </a:rPr>
-                <a:t>Density maps show the relationship between the average T-statistic value and difference of T-statistic values at corresponding voxels in the </a:t>
-              </a:r>
-              <a:r>
-                <a:rPr lang="en-GB" sz="1000" dirty="0" err="1">
+                <a:t>Density images show the relationship between the average T-statistic value and difference of T-statistic values at corresponding voxels in the </a:t>
+              </a:r>
+              <a:r>
+                <a:rPr lang="en-GB" sz="1000" dirty="0" err="1" smtClean="0">
                   <a:effectLst/>
                   <a:latin typeface="Arial"/>
                   <a:ea typeface="ＭＳ 明朝"/>
@@ -3268,26 +4474,14 @@
                 <a:t>unthresholded</a:t>
               </a:r>
               <a:r>
-                <a:rPr lang="en-GB" sz="1000" dirty="0">
+                <a:rPr lang="en-GB" sz="1000" dirty="0" smtClean="0">
                   <a:effectLst/>
                   <a:latin typeface="Arial"/>
                   <a:ea typeface="ＭＳ 明朝"/>
                   <a:cs typeface="Times New Roman"/>
                 </a:rPr>
-                <a:t> T-statistic images for each pairwise combination of software packages. The x-axis is highlighted in red – densities along this line indicate agreement between software on the size of activation at corresponding voxels. </a:t>
-              </a:r>
-              <a:endParaRPr lang="en-GB" sz="1200" dirty="0">
-                <a:effectLst/>
-                <a:ea typeface="ＭＳ 明朝"/>
-                <a:cs typeface="Times New Roman"/>
-              </a:endParaRPr>
-            </a:p>
-            <a:p>
-              <a:pPr algn="just">
-                <a:spcAft>
-                  <a:spcPts val="0"/>
-                </a:spcAft>
-              </a:pPr>
+                <a:t> T-statistic images for each pairwise combination of software packages. </a:t>
+              </a:r>
               <a:r>
                 <a:rPr lang="en-GB" sz="1200" dirty="0">
                   <a:effectLst/>
@@ -3346,7 +4540,7 @@
 </p:sld>
 </file>
 
-<file path=ppt/slides/slide2.xml><?xml version="1.0" encoding="utf-8"?>
+<file path=ppt/slides/slide4.xml><?xml version="1.0" encoding="utf-8"?>
 <p:sld xmlns:a="http://schemas.openxmlformats.org/drawingml/2006/main" xmlns:r="http://schemas.openxmlformats.org/officeDocument/2006/relationships" xmlns:p="http://schemas.openxmlformats.org/presentationml/2006/main">
   <p:cSld>
     <p:spTree>
@@ -3512,7 +4706,25 @@
                   <a:ea typeface="ＭＳ 明朝"/>
                   <a:cs typeface="Times New Roman"/>
                 </a:rPr>
-                <a:t> main effect of time F-statistic maps computed in AFNI and SPM for reproductions of the ds000120 study.    </a:t>
+                <a:t> main effect of time F-statistic maps computed in AFNI and SPM for </a:t>
+              </a:r>
+              <a:r>
+                <a:rPr lang="en-GB" sz="1000" dirty="0" smtClean="0">
+                  <a:effectLst/>
+                  <a:latin typeface="Arial"/>
+                  <a:ea typeface="ＭＳ 明朝"/>
+                  <a:cs typeface="Times New Roman"/>
+                </a:rPr>
+                <a:t>replications </a:t>
+              </a:r>
+              <a:r>
+                <a:rPr lang="en-GB" sz="1000" dirty="0">
+                  <a:effectLst/>
+                  <a:latin typeface="Arial"/>
+                  <a:ea typeface="ＭＳ 明朝"/>
+                  <a:cs typeface="Times New Roman"/>
+                </a:rPr>
+                <a:t>of the ds000120 study.    </a:t>
               </a:r>
               <a:endParaRPr lang="en-GB" sz="1200" dirty="0">
                 <a:effectLst/>
@@ -3551,7 +4763,7 @@
 </p:sld>
 </file>
 
-<file path=ppt/slides/slide3.xml><?xml version="1.0" encoding="utf-8"?>
+<file path=ppt/slides/slide5.xml><?xml version="1.0" encoding="utf-8"?>
 <p:sld xmlns:a="http://schemas.openxmlformats.org/drawingml/2006/main" xmlns:r="http://schemas.openxmlformats.org/officeDocument/2006/relationships" xmlns:p="http://schemas.openxmlformats.org/presentationml/2006/main">
   <p:cSld>
     <p:spTree>
@@ -3570,18 +4782,48 @@
       </p:grpSpPr>
       <p:grpSp>
         <p:nvGrpSpPr>
-          <p:cNvPr id="2" name="Group 1"/>
+          <p:cNvPr id="4" name="Group 3"/>
           <p:cNvGrpSpPr/>
           <p:nvPr/>
         </p:nvGrpSpPr>
         <p:grpSpPr>
           <a:xfrm>
             <a:off x="634906" y="584670"/>
-            <a:ext cx="4914900" cy="6629400"/>
+            <a:ext cx="4914900" cy="6781330"/>
             <a:chOff x="634906" y="584670"/>
-            <a:chExt cx="4914900" cy="6629400"/>
+            <a:chExt cx="4914900" cy="6781330"/>
           </a:xfrm>
         </p:grpSpPr>
+        <p:pic>
+          <p:nvPicPr>
+            <p:cNvPr id="3" name="Picture 2" descr="Screen Shot 2018-03-14 at 10.15.04.png"/>
+            <p:cNvPicPr>
+              <a:picLocks noChangeAspect="1"/>
+            </p:cNvPicPr>
+            <p:nvPr/>
+          </p:nvPicPr>
+          <p:blipFill>
+            <a:blip r:embed="rId2">
+              <a:extLst>
+                <a:ext uri="{28A0092B-C50C-407E-A947-70E740481C1C}">
+                  <a14:useLocalDpi xmlns:a14="http://schemas.microsoft.com/office/drawing/2010/main" val="0"/>
+                </a:ext>
+              </a:extLst>
+            </a:blip>
+            <a:stretch>
+              <a:fillRect/>
+            </a:stretch>
+          </p:blipFill>
+          <p:spPr>
+            <a:xfrm>
+              <a:off x="679058" y="584670"/>
+              <a:ext cx="4870748" cy="5198745"/>
+            </a:xfrm>
+            <a:prstGeom prst="rect">
+              <a:avLst/>
+            </a:prstGeom>
+          </p:spPr>
+        </p:pic>
         <p:sp>
           <p:nvSpPr>
             <p:cNvPr id="5" name="Text Box 13"/>
@@ -3591,7 +4833,7 @@
           <p:spPr>
             <a:xfrm>
               <a:off x="634906" y="5728170"/>
-              <a:ext cx="4914900" cy="1485900"/>
+              <a:ext cx="4914900" cy="1637830"/>
             </a:xfrm>
             <a:prstGeom prst="rect">
               <a:avLst/>
@@ -3636,7 +4878,7 @@
                 </a:spcAft>
               </a:pPr>
               <a:r>
-                <a:rPr lang="en-GB" sz="200" u="none" strike="noStrike">
+                <a:rPr lang="en-GB" sz="200" u="none" strike="noStrike" dirty="0">
                   <a:effectLst/>
                   <a:latin typeface="Arial"/>
                   <a:ea typeface="ＭＳ 明朝"/>
@@ -3644,7 +4886,7 @@
                 </a:rPr>
                 <a:t> </a:t>
               </a:r>
-              <a:endParaRPr lang="en-GB" sz="1200">
+              <a:endParaRPr lang="en-GB" sz="1200" dirty="0">
                 <a:effectLst/>
                 <a:ea typeface="ＭＳ 明朝"/>
                 <a:cs typeface="Times New Roman"/>
@@ -3657,7 +4899,7 @@
                 </a:spcAft>
               </a:pPr>
               <a:r>
-                <a:rPr lang="en-GB" sz="1000" u="sng">
+                <a:rPr lang="en-GB" sz="1000" u="sng" dirty="0">
                   <a:effectLst/>
                   <a:latin typeface="Arial"/>
                   <a:ea typeface="ＭＳ 明朝"/>
@@ -3665,7 +4907,7 @@
                 </a:rPr>
                 <a:t>Figure 4</a:t>
               </a:r>
-              <a:endParaRPr lang="en-GB" sz="1200">
+              <a:endParaRPr lang="en-GB" sz="1200" dirty="0">
                 <a:effectLst/>
                 <a:ea typeface="ＭＳ 明朝"/>
                 <a:cs typeface="Times New Roman"/>
@@ -3678,25 +4920,142 @@
                 </a:spcAft>
               </a:pPr>
               <a:r>
-                <a:rPr lang="en-GB" sz="1000">
+                <a:rPr lang="en-GB" sz="1000" dirty="0" smtClean="0">
                   <a:effectLst/>
                   <a:latin typeface="Arial"/>
                   <a:ea typeface="ＭＳ 明朝"/>
                   <a:cs typeface="Times New Roman"/>
                 </a:rPr>
-                <a:t>Reproductions of the main figure from the ds000001 balloon analog risk task study contrasting the parametric modulation of pumps of reward balloons versus the parametric modulation of control balloons. Corresponding slices of the thresholded T-statistic images for each software package are displayed; beneath, Figure 03 taken from the </a:t>
-              </a:r>
-              <a:r>
-                <a:rPr lang="en-GB" sz="1000" i="1">
+                <a:t>Our reanalysis results compared to the </a:t>
+              </a:r>
+              <a:r>
+                <a:rPr lang="en-GB" sz="1000" dirty="0">
                   <a:effectLst/>
                   <a:latin typeface="Arial"/>
                   <a:ea typeface="ＭＳ 明朝"/>
                   <a:cs typeface="Times New Roman"/>
                 </a:rPr>
+                <a:t>main figure from the ds000001 balloon </a:t>
+              </a:r>
+              <a:r>
+                <a:rPr lang="en-GB" sz="1000" dirty="0" err="1">
+                  <a:effectLst/>
+                  <a:latin typeface="Arial"/>
+                  <a:ea typeface="ＭＳ 明朝"/>
+                  <a:cs typeface="Times New Roman"/>
+                </a:rPr>
+                <a:t>analog</a:t>
+              </a:r>
+              <a:r>
+                <a:rPr lang="en-GB" sz="1000" dirty="0">
+                  <a:effectLst/>
+                  <a:latin typeface="Arial"/>
+                  <a:ea typeface="ＭＳ 明朝"/>
+                  <a:cs typeface="Times New Roman"/>
+                </a:rPr>
+                <a:t> risk task </a:t>
+              </a:r>
+              <a:r>
+                <a:rPr lang="en-GB" sz="1000" dirty="0" smtClean="0">
+                  <a:effectLst/>
+                  <a:latin typeface="Arial"/>
+                  <a:ea typeface="ＭＳ 明朝"/>
+                  <a:cs typeface="Times New Roman"/>
+                </a:rPr>
+                <a:t>study, </a:t>
+              </a:r>
+              <a:r>
+                <a:rPr lang="en-GB" sz="1000" dirty="0">
+                  <a:effectLst/>
+                  <a:latin typeface="Arial"/>
+                  <a:ea typeface="ＭＳ 明朝"/>
+                  <a:cs typeface="Times New Roman"/>
+                </a:rPr>
+                <a:t>contrasting the parametric modulation of pumps of reward balloons versus the parametric modulation </a:t>
+              </a:r>
+              <a:r>
+                <a:rPr lang="en-GB" sz="1000" dirty="0" smtClean="0">
+                  <a:effectLst/>
+                  <a:latin typeface="Arial"/>
+                  <a:ea typeface="ＭＳ 明朝"/>
+                  <a:cs typeface="Times New Roman"/>
+                </a:rPr>
+                <a:t>of the </a:t>
+              </a:r>
+              <a:r>
+                <a:rPr lang="en-GB" sz="1000" dirty="0">
+                  <a:effectLst/>
+                  <a:latin typeface="Arial"/>
+                  <a:ea typeface="ＭＳ 明朝"/>
+                  <a:cs typeface="Times New Roman"/>
+                </a:rPr>
+                <a:t>control </a:t>
+              </a:r>
+              <a:r>
+                <a:rPr lang="en-GB" sz="1000" dirty="0" smtClean="0">
+                  <a:effectLst/>
+                  <a:latin typeface="Arial"/>
+                  <a:ea typeface="ＭＳ 明朝"/>
+                  <a:cs typeface="Times New Roman"/>
+                </a:rPr>
+                <a:t>balloon. </a:t>
+              </a:r>
+              <a:r>
+                <a:rPr lang="en-GB" sz="1000" dirty="0">
+                  <a:effectLst/>
+                  <a:latin typeface="Arial"/>
+                  <a:ea typeface="ＭＳ 明朝"/>
+                  <a:cs typeface="Times New Roman"/>
+                </a:rPr>
+                <a:t>Corresponding slices of the </a:t>
+              </a:r>
+              <a:r>
+                <a:rPr lang="en-GB" sz="1000" dirty="0" err="1">
+                  <a:effectLst/>
+                  <a:latin typeface="Arial"/>
+                  <a:ea typeface="ＭＳ 明朝"/>
+                  <a:cs typeface="Times New Roman"/>
+                </a:rPr>
+                <a:t>thresholded</a:t>
+              </a:r>
+              <a:r>
+                <a:rPr lang="en-GB" sz="1000" dirty="0">
+                  <a:effectLst/>
+                  <a:latin typeface="Arial"/>
+                  <a:ea typeface="ＭＳ 明朝"/>
+                  <a:cs typeface="Times New Roman"/>
+                </a:rPr>
+                <a:t> T-statistic images for each software package are displayed; beneath, Figure </a:t>
+              </a:r>
+              <a:r>
+                <a:rPr lang="en-GB" sz="1000" dirty="0" smtClean="0">
+                  <a:effectLst/>
+                  <a:latin typeface="Arial"/>
+                  <a:ea typeface="ＭＳ 明朝"/>
+                  <a:cs typeface="Times New Roman"/>
+                </a:rPr>
+                <a:t>3 </a:t>
+              </a:r>
+              <a:r>
+                <a:rPr lang="en-GB" sz="1000" dirty="0">
+                  <a:effectLst/>
+                  <a:latin typeface="Arial"/>
+                  <a:ea typeface="ＭＳ 明朝"/>
+                  <a:cs typeface="Times New Roman"/>
+                </a:rPr>
+                <a:t>taken from the </a:t>
+              </a:r>
+              <a:r>
+                <a:rPr lang="en-GB" sz="1000" i="1" dirty="0">
+                  <a:effectLst/>
+                  <a:latin typeface="Arial"/>
+                  <a:ea typeface="ＭＳ 明朝"/>
+                  <a:cs typeface="Times New Roman"/>
+                </a:rPr>
                 <a:t>Schonberg et al. </a:t>
               </a:r>
               <a:r>
-                <a:rPr lang="en-GB" sz="1000">
+                <a:rPr lang="en-GB" sz="1000" dirty="0">
                   <a:effectLst/>
                   <a:latin typeface="Arial"/>
                   <a:ea typeface="ＭＳ 明朝"/>
@@ -3704,7 +5063,7 @@
                 </a:rPr>
                 <a:t>publication connected to the ds000001 dataset. The publication analysis was conducted using FSL. While overall there is similarity between packages on the determined regions of activation, there is discordance over the size of activations as well as the precise areas of activation within a region. </a:t>
               </a:r>
-              <a:endParaRPr lang="en-GB" sz="1200">
+              <a:endParaRPr lang="en-GB" sz="1200" dirty="0">
                 <a:effectLst/>
                 <a:ea typeface="ＭＳ 明朝"/>
                 <a:cs typeface="Times New Roman"/>
@@ -3717,7 +5076,7 @@
                 </a:spcAft>
               </a:pPr>
               <a:r>
-                <a:rPr lang="en-GB" sz="1200">
+                <a:rPr lang="en-GB" sz="1200" dirty="0">
                   <a:effectLst/>
                   <a:ea typeface="ＭＳ 明朝"/>
                   <a:cs typeface="Times New Roman"/>
@@ -3727,42 +5086,6 @@
             </a:p>
           </p:txBody>
         </p:sp>
-        <p:pic>
-          <p:nvPicPr>
-            <p:cNvPr id="6" name="Picture 5" descr="Macintosh HD:Users:maullz:Desktop:Software_Comparison:figures:figures:Slide06.png"/>
-            <p:cNvPicPr/>
-            <p:nvPr/>
-          </p:nvPicPr>
-          <p:blipFill rotWithShape="1">
-            <a:blip r:embed="rId2">
-              <a:extLst>
-                <a:ext uri="{28A0092B-C50C-407E-A947-70E740481C1C}">
-                  <a14:useLocalDpi xmlns:a14="http://schemas.microsoft.com/office/drawing/2010/main" val="0"/>
-                </a:ext>
-              </a:extLst>
-            </a:blip>
-            <a:srcRect l="2937" t="8983" r="4040" b="21411"/>
-            <a:stretch/>
-          </p:blipFill>
-          <p:spPr bwMode="auto">
-            <a:xfrm>
-              <a:off x="634906" y="584670"/>
-              <a:ext cx="4903470" cy="5198745"/>
-            </a:xfrm>
-            <a:prstGeom prst="rect">
-              <a:avLst/>
-            </a:prstGeom>
-            <a:noFill/>
-            <a:ln>
-              <a:noFill/>
-            </a:ln>
-            <a:extLst>
-              <a:ext uri="{53640926-AAD7-44d8-BBD7-CCE9431645EC}">
-                <a14:shadowObscured xmlns:a14="http://schemas.microsoft.com/office/drawing/2010/main"/>
-              </a:ext>
-            </a:extLst>
-          </p:spPr>
-        </p:pic>
       </p:grpSp>
     </p:spTree>
     <p:extLst>
@@ -3777,7 +5100,7 @@
 </p:sld>
 </file>
 
-<file path=ppt/slides/slide4.xml><?xml version="1.0" encoding="utf-8"?>
+<file path=ppt/slides/slide6.xml><?xml version="1.0" encoding="utf-8"?>
 <p:sld xmlns:a="http://schemas.openxmlformats.org/drawingml/2006/main" xmlns:r="http://schemas.openxmlformats.org/officeDocument/2006/relationships" xmlns:p="http://schemas.openxmlformats.org/presentationml/2006/main">
   <p:cSld>
     <p:spTree>
@@ -3895,7 +5218,7 @@
                 </a:spcAft>
               </a:pPr>
               <a:r>
-                <a:rPr lang="en-GB" sz="1000" u="sng">
+                <a:rPr lang="en-GB" sz="1000" u="sng" dirty="0">
                   <a:effectLst/>
                   <a:latin typeface="Arial"/>
                   <a:ea typeface="ＭＳ 明朝"/>
@@ -3903,7 +5226,7 @@
                 </a:rPr>
                 <a:t>Figure 5</a:t>
               </a:r>
-              <a:endParaRPr lang="en-GB" sz="1200">
+              <a:endParaRPr lang="en-GB" sz="1200" dirty="0">
                 <a:effectLst/>
                 <a:ea typeface="ＭＳ 明朝"/>
                 <a:cs typeface="Times New Roman"/>
@@ -3916,15 +5239,51 @@
                 </a:spcAft>
               </a:pPr>
               <a:r>
-                <a:rPr lang="en-GB" sz="1000">
+                <a:rPr lang="en-GB" sz="1000" dirty="0">
                   <a:effectLst/>
                   <a:latin typeface="Arial"/>
                   <a:ea typeface="ＭＳ 明朝"/>
                   <a:cs typeface="Times New Roman"/>
                 </a:rPr>
-                <a:t>Bland-Altman 2D histograms for the ds000001 and ds000109 studies comparing the unthresholded group-level T-statistic maps computed using permutation inference methods within AFNI, FSL and SPM. Similar to the results obtained using parametric inferences in Figure 1a, a cloud of densities common to all Bland-Altman plots indicates vast differences in the size of activations determined within each package.</a:t>
-              </a:r>
-              <a:endParaRPr lang="en-GB" sz="1200">
+                <a:t>Bland-Altman 2D histograms for the ds000001 and ds000109 studies comparing the </a:t>
+              </a:r>
+              <a:r>
+                <a:rPr lang="en-GB" sz="1000" dirty="0" err="1">
+                  <a:effectLst/>
+                  <a:latin typeface="Arial"/>
+                  <a:ea typeface="ＭＳ 明朝"/>
+                  <a:cs typeface="Times New Roman"/>
+                </a:rPr>
+                <a:t>unthresholded</a:t>
+              </a:r>
+              <a:r>
+                <a:rPr lang="en-GB" sz="1000" dirty="0">
+                  <a:effectLst/>
+                  <a:latin typeface="Arial"/>
+                  <a:ea typeface="ＭＳ 明朝"/>
+                  <a:cs typeface="Times New Roman"/>
+                </a:rPr>
+                <a:t> group-level T-statistic maps computed using permutation inference methods within AFNI, FSL and SPM. Similar to the results obtained using parametric inferences in Figure 1a, </a:t>
+              </a:r>
+              <a:r>
+                <a:rPr lang="en-GB" sz="1000" dirty="0" smtClean="0">
+                  <a:effectLst/>
+                  <a:latin typeface="Arial"/>
+                  <a:ea typeface="ＭＳ 明朝"/>
+                  <a:cs typeface="Times New Roman"/>
+                </a:rPr>
+                <a:t>all of the densities indicate </a:t>
+              </a:r>
+              <a:r>
+                <a:rPr lang="en-GB" sz="1000" dirty="0">
+                  <a:effectLst/>
+                  <a:latin typeface="Arial"/>
+                  <a:ea typeface="ＭＳ 明朝"/>
+                  <a:cs typeface="Times New Roman"/>
+                </a:rPr>
+                <a:t>vast differences in the size of activations determined within each package.</a:t>
+              </a:r>
+              <a:endParaRPr lang="en-GB" sz="1200" dirty="0">
                 <a:effectLst/>
                 <a:ea typeface="ＭＳ 明朝"/>
                 <a:cs typeface="Times New Roman"/>
@@ -3937,7 +5296,7 @@
                 </a:spcAft>
               </a:pPr>
               <a:r>
-                <a:rPr lang="en-GB" sz="1200">
+                <a:rPr lang="en-GB" sz="1200" dirty="0">
                   <a:effectLst/>
                   <a:ea typeface="ＭＳ 明朝"/>
                   <a:cs typeface="Times New Roman"/>
@@ -3961,7 +5320,7 @@
 </p:sld>
 </file>
 
-<file path=ppt/slides/slide5.xml><?xml version="1.0" encoding="utf-8"?>
+<file path=ppt/slides/slide7.xml><?xml version="1.0" encoding="utf-8"?>
 <p:sld xmlns:a="http://schemas.openxmlformats.org/drawingml/2006/main" xmlns:r="http://schemas.openxmlformats.org/officeDocument/2006/relationships" xmlns:p="http://schemas.openxmlformats.org/presentationml/2006/main">
   <p:cSld>
     <p:spTree>
@@ -4091,7 +5450,25 @@
                   <a:ea typeface="ＭＳ 明朝"/>
                   <a:cs typeface="Times New Roman"/>
                 </a:rPr>
-                <a:t> group-level T-statistic maps computed within each software package using parametric or nonparametric inference methods. Overall, the concentration of densities along the x-axis of densities in the AFNI and SPM plots signal harmonization between the two methods within these software packages. This is particularly true for SPM where - noting the scale of the y-axis – the </a:t>
+                <a:t> group-level T-statistic maps computed within each software package using parametric or nonparametric inference methods. Overall, the concentration of densities along the x-axis </a:t>
+              </a:r>
+              <a:r>
+                <a:rPr lang="en-GB" sz="1000" dirty="0" smtClean="0">
+                  <a:effectLst/>
+                  <a:latin typeface="Arial"/>
+                  <a:ea typeface="ＭＳ 明朝"/>
+                  <a:cs typeface="Times New Roman"/>
+                </a:rPr>
+                <a:t>in </a:t>
+              </a:r>
+              <a:r>
+                <a:rPr lang="en-GB" sz="1000" dirty="0">
+                  <a:effectLst/>
+                  <a:latin typeface="Arial"/>
+                  <a:ea typeface="ＭＳ 明朝"/>
+                  <a:cs typeface="Times New Roman"/>
+                </a:rPr>
+                <a:t>the AFNI and SPM plots signal harmonization between the two methods within these software packages. This is particularly true for SPM where - noting the scale of the y-axis – the </a:t>
               </a:r>
               <a:r>
                 <a:rPr lang="en-GB" sz="1000" dirty="0" err="1">
@@ -4109,7 +5486,43 @@
                   <a:ea typeface="ＭＳ 明朝"/>
                   <a:cs typeface="Times New Roman"/>
                 </a:rPr>
-                <a:t> T-statistic images obtained for both inference methods were identical up to numerical error, which scaled in accordance with the absolute size of the activation. The clouds of densities seen in the two FSL plots suggest much greater incoherence between the inference methods within this package.   </a:t>
+                <a:t> T-statistic images obtained for both inference methods were identical up to numerical error, which scaled in accordance with the absolute size of the activation. </a:t>
+              </a:r>
+              <a:r>
+                <a:rPr lang="en-GB" sz="1000" dirty="0" smtClean="0">
+                  <a:effectLst/>
+                  <a:latin typeface="Arial"/>
+                  <a:ea typeface="ＭＳ 明朝"/>
+                  <a:cs typeface="Times New Roman"/>
+                </a:rPr>
+                <a:t>Densities seen </a:t>
+              </a:r>
+              <a:r>
+                <a:rPr lang="en-GB" sz="1000" dirty="0">
+                  <a:effectLst/>
+                  <a:latin typeface="Arial"/>
+                  <a:ea typeface="ＭＳ 明朝"/>
+                  <a:cs typeface="Times New Roman"/>
+                </a:rPr>
+                <a:t>in the two FSL plots suggest much greater </a:t>
+              </a:r>
+              <a:r>
+                <a:rPr lang="en-GB" sz="1000" dirty="0" smtClean="0">
+                  <a:effectLst/>
+                  <a:latin typeface="Arial"/>
+                  <a:ea typeface="ＭＳ 明朝"/>
+                  <a:cs typeface="Times New Roman"/>
+                </a:rPr>
+                <a:t>disagreement </a:t>
+              </a:r>
+              <a:r>
+                <a:rPr lang="en-GB" sz="1000" dirty="0">
+                  <a:effectLst/>
+                  <a:latin typeface="Arial"/>
+                  <a:ea typeface="ＭＳ 明朝"/>
+                  <a:cs typeface="Times New Roman"/>
+                </a:rPr>
+                <a:t>between the inference methods within this package.   </a:t>
               </a:r>
               <a:endParaRPr lang="en-GB" sz="1200" dirty="0">
                 <a:effectLst/>
@@ -4499,4 +5912,324 @@
   </a:objectDefaults>
   <a:extraClrSchemeLst/>
 </a:theme>
+</file>
+
+<file path=ppt/theme/theme2.xml><?xml version="1.0" encoding="utf-8"?>
+<a:theme xmlns:a="http://schemas.openxmlformats.org/drawingml/2006/main" name="Office Theme">
+  <a:themeElements>
+    <a:clrScheme name="Office">
+      <a:dk1>
+        <a:sysClr val="windowText" lastClr="000000"/>
+      </a:dk1>
+      <a:lt1>
+        <a:sysClr val="window" lastClr="FFFFFF"/>
+      </a:lt1>
+      <a:dk2>
+        <a:srgbClr val="1F497D"/>
+      </a:dk2>
+      <a:lt2>
+        <a:srgbClr val="EEECE1"/>
+      </a:lt2>
+      <a:accent1>
+        <a:srgbClr val="4F81BD"/>
+      </a:accent1>
+      <a:accent2>
+        <a:srgbClr val="C0504D"/>
+      </a:accent2>
+      <a:accent3>
+        <a:srgbClr val="9BBB59"/>
+      </a:accent3>
+      <a:accent4>
+        <a:srgbClr val="8064A2"/>
+      </a:accent4>
+      <a:accent5>
+        <a:srgbClr val="4BACC6"/>
+      </a:accent5>
+      <a:accent6>
+        <a:srgbClr val="F79646"/>
+      </a:accent6>
+      <a:hlink>
+        <a:srgbClr val="0000FF"/>
+      </a:hlink>
+      <a:folHlink>
+        <a:srgbClr val="800080"/>
+      </a:folHlink>
+    </a:clrScheme>
+    <a:fontScheme name="Office">
+      <a:majorFont>
+        <a:latin typeface="Calibri"/>
+        <a:ea typeface=""/>
+        <a:cs typeface=""/>
+        <a:font script="Jpan" typeface="ＭＳ Ｐゴシック"/>
+        <a:font script="Hang" typeface="맑은 고딕"/>
+        <a:font script="Hans" typeface="宋体"/>
+        <a:font script="Hant" typeface="新細明體"/>
+        <a:font script="Arab" typeface="Times New Roman"/>
+        <a:font script="Hebr" typeface="Times New Roman"/>
+        <a:font script="Thai" typeface="Angsana New"/>
+        <a:font script="Ethi" typeface="Nyala"/>
+        <a:font script="Beng" typeface="Vrinda"/>
+        <a:font script="Gujr" typeface="Shruti"/>
+        <a:font script="Khmr" typeface="MoolBoran"/>
+        <a:font script="Knda" typeface="Tunga"/>
+        <a:font script="Guru" typeface="Raavi"/>
+        <a:font script="Cans" typeface="Euphemia"/>
+        <a:font script="Cher" typeface="Plantagenet Cherokee"/>
+        <a:font script="Yiii" typeface="Microsoft Yi Baiti"/>
+        <a:font script="Tibt" typeface="Microsoft Himalaya"/>
+        <a:font script="Thaa" typeface="MV Boli"/>
+        <a:font script="Deva" typeface="Mangal"/>
+        <a:font script="Telu" typeface="Gautami"/>
+        <a:font script="Taml" typeface="Latha"/>
+        <a:font script="Syrc" typeface="Estrangelo Edessa"/>
+        <a:font script="Orya" typeface="Kalinga"/>
+        <a:font script="Mlym" typeface="Kartika"/>
+        <a:font script="Laoo" typeface="DokChampa"/>
+        <a:font script="Sinh" typeface="Iskoola Pota"/>
+        <a:font script="Mong" typeface="Mongolian Baiti"/>
+        <a:font script="Viet" typeface="Times New Roman"/>
+        <a:font script="Uigh" typeface="Microsoft Uighur"/>
+        <a:font script="Geor" typeface="Sylfaen"/>
+      </a:majorFont>
+      <a:minorFont>
+        <a:latin typeface="Calibri"/>
+        <a:ea typeface=""/>
+        <a:cs typeface=""/>
+        <a:font script="Jpan" typeface="ＭＳ Ｐゴシック"/>
+        <a:font script="Hang" typeface="맑은 고딕"/>
+        <a:font script="Hans" typeface="宋体"/>
+        <a:font script="Hant" typeface="新細明體"/>
+        <a:font script="Arab" typeface="Arial"/>
+        <a:font script="Hebr" typeface="Arial"/>
+        <a:font script="Thai" typeface="Cordia New"/>
+        <a:font script="Ethi" typeface="Nyala"/>
+        <a:font script="Beng" typeface="Vrinda"/>
+        <a:font script="Gujr" typeface="Shruti"/>
+        <a:font script="Khmr" typeface="DaunPenh"/>
+        <a:font script="Knda" typeface="Tunga"/>
+        <a:font script="Guru" typeface="Raavi"/>
+        <a:font script="Cans" typeface="Euphemia"/>
+        <a:font script="Cher" typeface="Plantagenet Cherokee"/>
+        <a:font script="Yiii" typeface="Microsoft Yi Baiti"/>
+        <a:font script="Tibt" typeface="Microsoft Himalaya"/>
+        <a:font script="Thaa" typeface="MV Boli"/>
+        <a:font script="Deva" typeface="Mangal"/>
+        <a:font script="Telu" typeface="Gautami"/>
+        <a:font script="Taml" typeface="Latha"/>
+        <a:font script="Syrc" typeface="Estrangelo Edessa"/>
+        <a:font script="Orya" typeface="Kalinga"/>
+        <a:font script="Mlym" typeface="Kartika"/>
+        <a:font script="Laoo" typeface="DokChampa"/>
+        <a:font script="Sinh" typeface="Iskoola Pota"/>
+        <a:font script="Mong" typeface="Mongolian Baiti"/>
+        <a:font script="Viet" typeface="Arial"/>
+        <a:font script="Uigh" typeface="Microsoft Uighur"/>
+        <a:font script="Geor" typeface="Sylfaen"/>
+      </a:minorFont>
+    </a:fontScheme>
+    <a:fmtScheme name="Office">
+      <a:fillStyleLst>
+        <a:solidFill>
+          <a:schemeClr val="phClr"/>
+        </a:solidFill>
+        <a:gradFill rotWithShape="1">
+          <a:gsLst>
+            <a:gs pos="0">
+              <a:schemeClr val="phClr">
+                <a:tint val="50000"/>
+                <a:satMod val="300000"/>
+              </a:schemeClr>
+            </a:gs>
+            <a:gs pos="35000">
+              <a:schemeClr val="phClr">
+                <a:tint val="37000"/>
+                <a:satMod val="300000"/>
+              </a:schemeClr>
+            </a:gs>
+            <a:gs pos="100000">
+              <a:schemeClr val="phClr">
+                <a:tint val="15000"/>
+                <a:satMod val="350000"/>
+              </a:schemeClr>
+            </a:gs>
+          </a:gsLst>
+          <a:lin ang="16200000" scaled="1"/>
+        </a:gradFill>
+        <a:gradFill rotWithShape="1">
+          <a:gsLst>
+            <a:gs pos="0">
+              <a:schemeClr val="phClr">
+                <a:tint val="100000"/>
+                <a:shade val="100000"/>
+                <a:satMod val="130000"/>
+              </a:schemeClr>
+            </a:gs>
+            <a:gs pos="100000">
+              <a:schemeClr val="phClr">
+                <a:tint val="50000"/>
+                <a:shade val="100000"/>
+                <a:satMod val="350000"/>
+              </a:schemeClr>
+            </a:gs>
+          </a:gsLst>
+          <a:lin ang="16200000" scaled="0"/>
+        </a:gradFill>
+      </a:fillStyleLst>
+      <a:lnStyleLst>
+        <a:ln w="9525" cap="flat" cmpd="sng" algn="ctr">
+          <a:solidFill>
+            <a:schemeClr val="phClr">
+              <a:shade val="95000"/>
+              <a:satMod val="105000"/>
+            </a:schemeClr>
+          </a:solidFill>
+          <a:prstDash val="solid"/>
+        </a:ln>
+        <a:ln w="25400" cap="flat" cmpd="sng" algn="ctr">
+          <a:solidFill>
+            <a:schemeClr val="phClr"/>
+          </a:solidFill>
+          <a:prstDash val="solid"/>
+        </a:ln>
+        <a:ln w="38100" cap="flat" cmpd="sng" algn="ctr">
+          <a:solidFill>
+            <a:schemeClr val="phClr"/>
+          </a:solidFill>
+          <a:prstDash val="solid"/>
+        </a:ln>
+      </a:lnStyleLst>
+      <a:effectStyleLst>
+        <a:effectStyle>
+          <a:effectLst>
+            <a:outerShdw blurRad="40000" dist="20000" dir="5400000" rotWithShape="0">
+              <a:srgbClr val="000000">
+                <a:alpha val="38000"/>
+              </a:srgbClr>
+            </a:outerShdw>
+          </a:effectLst>
+        </a:effectStyle>
+        <a:effectStyle>
+          <a:effectLst>
+            <a:outerShdw blurRad="40000" dist="23000" dir="5400000" rotWithShape="0">
+              <a:srgbClr val="000000">
+                <a:alpha val="35000"/>
+              </a:srgbClr>
+            </a:outerShdw>
+          </a:effectLst>
+        </a:effectStyle>
+        <a:effectStyle>
+          <a:effectLst>
+            <a:outerShdw blurRad="40000" dist="23000" dir="5400000" rotWithShape="0">
+              <a:srgbClr val="000000">
+                <a:alpha val="35000"/>
+              </a:srgbClr>
+            </a:outerShdw>
+          </a:effectLst>
+          <a:scene3d>
+            <a:camera prst="orthographicFront">
+              <a:rot lat="0" lon="0" rev="0"/>
+            </a:camera>
+            <a:lightRig rig="threePt" dir="t">
+              <a:rot lat="0" lon="0" rev="1200000"/>
+            </a:lightRig>
+          </a:scene3d>
+          <a:sp3d>
+            <a:bevelT w="63500" h="25400"/>
+          </a:sp3d>
+        </a:effectStyle>
+      </a:effectStyleLst>
+      <a:bgFillStyleLst>
+        <a:solidFill>
+          <a:schemeClr val="phClr"/>
+        </a:solidFill>
+        <a:gradFill rotWithShape="1">
+          <a:gsLst>
+            <a:gs pos="0">
+              <a:schemeClr val="phClr">
+                <a:tint val="40000"/>
+                <a:satMod val="350000"/>
+              </a:schemeClr>
+            </a:gs>
+            <a:gs pos="40000">
+              <a:schemeClr val="phClr">
+                <a:tint val="45000"/>
+                <a:shade val="99000"/>
+                <a:satMod val="350000"/>
+              </a:schemeClr>
+            </a:gs>
+            <a:gs pos="100000">
+              <a:schemeClr val="phClr">
+                <a:shade val="20000"/>
+                <a:satMod val="255000"/>
+              </a:schemeClr>
+            </a:gs>
+          </a:gsLst>
+          <a:path path="circle">
+            <a:fillToRect l="50000" t="-80000" r="50000" b="180000"/>
+          </a:path>
+        </a:gradFill>
+        <a:gradFill rotWithShape="1">
+          <a:gsLst>
+            <a:gs pos="0">
+              <a:schemeClr val="phClr">
+                <a:tint val="80000"/>
+                <a:satMod val="300000"/>
+              </a:schemeClr>
+            </a:gs>
+            <a:gs pos="100000">
+              <a:schemeClr val="phClr">
+                <a:shade val="30000"/>
+                <a:satMod val="200000"/>
+              </a:schemeClr>
+            </a:gs>
+          </a:gsLst>
+          <a:path path="circle">
+            <a:fillToRect l="50000" t="50000" r="50000" b="50000"/>
+          </a:path>
+        </a:gradFill>
+      </a:bgFillStyleLst>
+    </a:fmtScheme>
+  </a:themeElements>
+  <a:objectDefaults>
+    <a:spDef>
+      <a:spPr/>
+      <a:bodyPr/>
+      <a:lstStyle/>
+      <a:style>
+        <a:lnRef idx="1">
+          <a:schemeClr val="accent1"/>
+        </a:lnRef>
+        <a:fillRef idx="3">
+          <a:schemeClr val="accent1"/>
+        </a:fillRef>
+        <a:effectRef idx="2">
+          <a:schemeClr val="accent1"/>
+        </a:effectRef>
+        <a:fontRef idx="minor">
+          <a:schemeClr val="lt1"/>
+        </a:fontRef>
+      </a:style>
+    </a:spDef>
+    <a:lnDef>
+      <a:spPr/>
+      <a:bodyPr/>
+      <a:lstStyle/>
+      <a:style>
+        <a:lnRef idx="2">
+          <a:schemeClr val="accent1"/>
+        </a:lnRef>
+        <a:fillRef idx="0">
+          <a:schemeClr val="accent1"/>
+        </a:fillRef>
+        <a:effectRef idx="1">
+          <a:schemeClr val="accent1"/>
+        </a:effectRef>
+        <a:fontRef idx="minor">
+          <a:schemeClr val="tx1"/>
+        </a:fontRef>
+      </a:style>
+    </a:lnDef>
+  </a:objectDefaults>
+  <a:extraClrSchemeLst/>
+</a:theme>
 </file>